--- a/受苦的主.pptx
+++ b/受苦的主.pptx
@@ -2,12 +2,12 @@
 <file path=ppt/presentation.xml><?xml version="1.0" encoding="utf-8"?>
 <p:presentation xmlns:a="http://schemas.openxmlformats.org/drawingml/2006/main" xmlns:r="http://schemas.openxmlformats.org/officeDocument/2006/relationships" xmlns:p="http://schemas.openxmlformats.org/presentationml/2006/main" saveSubsetFonts="1">
   <p:sldMasterIdLst>
-    <p:sldMasterId id="2147483648" r:id="rId1"/>
+    <p:sldMasterId id="2147483660" r:id="rId1"/>
   </p:sldMasterIdLst>
   <p:sldIdLst>
     <p:sldId id="257" r:id="rId2"/>
   </p:sldIdLst>
-  <p:sldSz cx="9144000" cy="6858000" type="screen4x3"/>
+  <p:sldSz cx="12192000" cy="6858000"/>
   <p:notesSz cx="6858000" cy="9144000"/>
   <p:defaultTextStyle>
     <a:defPPr>
@@ -104,12 +104,28 @@
       </a:defRPr>
     </a:lvl9pPr>
   </p:defaultTextStyle>
+  <p:extLst>
+    <p:ext uri="{EFAFB233-063F-42B5-8137-9DF3F51BA10A}">
+      <p15:sldGuideLst xmlns:p15="http://schemas.microsoft.com/office/powerpoint/2012/main">
+        <p15:guide id="1" orient="horz" pos="2160" userDrawn="1">
+          <p15:clr>
+            <a:srgbClr val="A4A3A4"/>
+          </p15:clr>
+        </p15:guide>
+        <p15:guide id="2" pos="3840" userDrawn="1">
+          <p15:clr>
+            <a:srgbClr val="A4A3A4"/>
+          </p15:clr>
+        </p15:guide>
+      </p15:sldGuideLst>
+    </p:ext>
+  </p:extLst>
 </p:presentation>
 </file>
 
 <file path=ppt/slideLayouts/slideLayout1.xml><?xml version="1.0" encoding="utf-8"?>
 <p:sldLayout xmlns:a="http://schemas.openxmlformats.org/drawingml/2006/main" xmlns:r="http://schemas.openxmlformats.org/officeDocument/2006/relationships" xmlns:p="http://schemas.openxmlformats.org/presentationml/2006/main" type="title" preserve="1">
-  <p:cSld name="Title Slide">
+  <p:cSld name="標題投影片">
     <p:spTree>
       <p:nvGrpSpPr>
         <p:cNvPr id="1" name=""/>
@@ -126,7 +142,7 @@
       </p:grpSpPr>
       <p:sp>
         <p:nvSpPr>
-          <p:cNvPr id="2" name="Title 1"/>
+          <p:cNvPr id="2" name="標題 1"/>
           <p:cNvSpPr>
             <a:spLocks noGrp="1"/>
           </p:cNvSpPr>
@@ -136,8 +152,8 @@
         </p:nvSpPr>
         <p:spPr>
           <a:xfrm>
-            <a:off x="685800" y="2130425"/>
-            <a:ext cx="7772400" cy="1470025"/>
+            <a:off x="914400" y="2130426"/>
+            <a:ext cx="10363200" cy="1470025"/>
           </a:xfrm>
         </p:spPr>
         <p:txBody>
@@ -145,16 +161,16 @@
           <a:lstStyle/>
           <a:p>
             <a:r>
-              <a:rPr lang="en-US" smtClean="0"/>
+              <a:rPr lang="en-US" altLang="zh-TW" smtClean="0"/>
               <a:t>Click to edit Master title style</a:t>
             </a:r>
-            <a:endParaRPr lang="en-US"/>
-          </a:p>
-        </p:txBody>
-      </p:sp>
-      <p:sp>
-        <p:nvSpPr>
-          <p:cNvPr id="3" name="Subtitle 2"/>
+            <a:endParaRPr lang="zh-TW" altLang="en-US"/>
+          </a:p>
+        </p:txBody>
+      </p:sp>
+      <p:sp>
+        <p:nvSpPr>
+          <p:cNvPr id="3" name="副標題 2"/>
           <p:cNvSpPr>
             <a:spLocks noGrp="1"/>
           </p:cNvSpPr>
@@ -164,8 +180,8 @@
         </p:nvSpPr>
         <p:spPr>
           <a:xfrm>
-            <a:off x="1371600" y="3886200"/>
-            <a:ext cx="6400800" cy="1752600"/>
+            <a:off x="1828800" y="3886200"/>
+            <a:ext cx="8534400" cy="1752600"/>
           </a:xfrm>
         </p:spPr>
         <p:txBody>
@@ -181,7 +197,7 @@
                 </a:solidFill>
               </a:defRPr>
             </a:lvl1pPr>
-            <a:lvl2pPr marL="457200" indent="0" algn="ctr">
+            <a:lvl2pPr marL="609585" indent="0" algn="ctr">
               <a:buNone/>
               <a:defRPr>
                 <a:solidFill>
@@ -191,7 +207,7 @@
                 </a:solidFill>
               </a:defRPr>
             </a:lvl2pPr>
-            <a:lvl3pPr marL="914400" indent="0" algn="ctr">
+            <a:lvl3pPr marL="1219170" indent="0" algn="ctr">
               <a:buNone/>
               <a:defRPr>
                 <a:solidFill>
@@ -201,7 +217,7 @@
                 </a:solidFill>
               </a:defRPr>
             </a:lvl3pPr>
-            <a:lvl4pPr marL="1371600" indent="0" algn="ctr">
+            <a:lvl4pPr marL="1828754" indent="0" algn="ctr">
               <a:buNone/>
               <a:defRPr>
                 <a:solidFill>
@@ -211,7 +227,7 @@
                 </a:solidFill>
               </a:defRPr>
             </a:lvl4pPr>
-            <a:lvl5pPr marL="1828800" indent="0" algn="ctr">
+            <a:lvl5pPr marL="2438339" indent="0" algn="ctr">
               <a:buNone/>
               <a:defRPr>
                 <a:solidFill>
@@ -221,7 +237,7 @@
                 </a:solidFill>
               </a:defRPr>
             </a:lvl5pPr>
-            <a:lvl6pPr marL="2286000" indent="0" algn="ctr">
+            <a:lvl6pPr marL="3047924" indent="0" algn="ctr">
               <a:buNone/>
               <a:defRPr>
                 <a:solidFill>
@@ -231,7 +247,7 @@
                 </a:solidFill>
               </a:defRPr>
             </a:lvl6pPr>
-            <a:lvl7pPr marL="2743200" indent="0" algn="ctr">
+            <a:lvl7pPr marL="3657509" indent="0" algn="ctr">
               <a:buNone/>
               <a:defRPr>
                 <a:solidFill>
@@ -241,7 +257,7 @@
                 </a:solidFill>
               </a:defRPr>
             </a:lvl7pPr>
-            <a:lvl8pPr marL="3200400" indent="0" algn="ctr">
+            <a:lvl8pPr marL="4267093" indent="0" algn="ctr">
               <a:buNone/>
               <a:defRPr>
                 <a:solidFill>
@@ -251,7 +267,7 @@
                 </a:solidFill>
               </a:defRPr>
             </a:lvl8pPr>
-            <a:lvl9pPr marL="3657600" indent="0" algn="ctr">
+            <a:lvl9pPr marL="4876678" indent="0" algn="ctr">
               <a:buNone/>
               <a:defRPr>
                 <a:solidFill>
@@ -264,16 +280,16 @@
           </a:lstStyle>
           <a:p>
             <a:r>
-              <a:rPr lang="en-US" smtClean="0"/>
+              <a:rPr lang="en-US" altLang="zh-TW" smtClean="0"/>
               <a:t>Click to edit Master subtitle style</a:t>
             </a:r>
-            <a:endParaRPr lang="en-US"/>
-          </a:p>
-        </p:txBody>
-      </p:sp>
-      <p:sp>
-        <p:nvSpPr>
-          <p:cNvPr id="4" name="Date Placeholder 3"/>
+            <a:endParaRPr lang="zh-TW" altLang="en-US"/>
+          </a:p>
+        </p:txBody>
+      </p:sp>
+      <p:sp>
+        <p:nvSpPr>
+          <p:cNvPr id="4" name="日期版面配置區 3"/>
           <p:cNvSpPr>
             <a:spLocks noGrp="1"/>
           </p:cNvSpPr>
@@ -288,7 +304,7 @@
           <a:p>
             <a:fld id="{968E7122-F244-4236-92F7-220806544606}" type="datetimeFigureOut">
               <a:rPr lang="en-US" smtClean="0"/>
-              <a:t>4/16/2019</a:t>
+              <a:t>4/7/2020</a:t>
             </a:fld>
             <a:endParaRPr lang="en-US"/>
           </a:p>
@@ -296,7 +312,7 @@
       </p:sp>
       <p:sp>
         <p:nvSpPr>
-          <p:cNvPr id="5" name="Footer Placeholder 4"/>
+          <p:cNvPr id="5" name="頁尾版面配置區 4"/>
           <p:cNvSpPr>
             <a:spLocks noGrp="1"/>
           </p:cNvSpPr>
@@ -315,7 +331,7 @@
       </p:sp>
       <p:sp>
         <p:nvSpPr>
-          <p:cNvPr id="6" name="Slide Number Placeholder 5"/>
+          <p:cNvPr id="6" name="投影片編號版面配置區 5"/>
           <p:cNvSpPr>
             <a:spLocks noGrp="1"/>
           </p:cNvSpPr>
@@ -339,7 +355,7 @@
     </p:spTree>
     <p:extLst>
       <p:ext uri="{BB962C8B-B14F-4D97-AF65-F5344CB8AC3E}">
-        <p14:creationId xmlns:p14="http://schemas.microsoft.com/office/powerpoint/2010/main" val="3939875123"/>
+        <p14:creationId xmlns:p14="http://schemas.microsoft.com/office/powerpoint/2010/main" val="2059263530"/>
       </p:ext>
     </p:extLst>
   </p:cSld>
@@ -351,7 +367,7 @@
 
 <file path=ppt/slideLayouts/slideLayout10.xml><?xml version="1.0" encoding="utf-8"?>
 <p:sldLayout xmlns:a="http://schemas.openxmlformats.org/drawingml/2006/main" xmlns:r="http://schemas.openxmlformats.org/officeDocument/2006/relationships" xmlns:p="http://schemas.openxmlformats.org/presentationml/2006/main" type="vertTx" preserve="1">
-  <p:cSld name="Title and Vertical Text">
+  <p:cSld name="標題及直排文字">
     <p:spTree>
       <p:nvGrpSpPr>
         <p:cNvPr id="1" name=""/>
@@ -368,7 +384,7 @@
       </p:grpSpPr>
       <p:sp>
         <p:nvSpPr>
-          <p:cNvPr id="2" name="Title 1"/>
+          <p:cNvPr id="2" name="標題 1"/>
           <p:cNvSpPr>
             <a:spLocks noGrp="1"/>
           </p:cNvSpPr>
@@ -382,16 +398,16 @@
           <a:lstStyle/>
           <a:p>
             <a:r>
-              <a:rPr lang="en-US" smtClean="0"/>
+              <a:rPr lang="en-US" altLang="zh-TW" smtClean="0"/>
               <a:t>Click to edit Master title style</a:t>
             </a:r>
-            <a:endParaRPr lang="en-US"/>
-          </a:p>
-        </p:txBody>
-      </p:sp>
-      <p:sp>
-        <p:nvSpPr>
-          <p:cNvPr id="3" name="Vertical Text Placeholder 2"/>
+            <a:endParaRPr lang="zh-TW" altLang="en-US"/>
+          </a:p>
+        </p:txBody>
+      </p:sp>
+      <p:sp>
+        <p:nvSpPr>
+          <p:cNvPr id="3" name="直排文字版面配置區 2"/>
           <p:cNvSpPr>
             <a:spLocks noGrp="1"/>
           </p:cNvSpPr>
@@ -406,44 +422,44 @@
           <a:p>
             <a:pPr lvl="0"/>
             <a:r>
-              <a:rPr lang="en-US" smtClean="0"/>
-              <a:t>Click to edit Master text styles</a:t>
+              <a:rPr lang="en-US" altLang="zh-TW" smtClean="0"/>
+              <a:t>Edit Master text styles</a:t>
             </a:r>
           </a:p>
           <a:p>
             <a:pPr lvl="1"/>
             <a:r>
-              <a:rPr lang="en-US" smtClean="0"/>
+              <a:rPr lang="en-US" altLang="zh-TW" smtClean="0"/>
               <a:t>Second level</a:t>
             </a:r>
           </a:p>
           <a:p>
             <a:pPr lvl="2"/>
             <a:r>
-              <a:rPr lang="en-US" smtClean="0"/>
+              <a:rPr lang="en-US" altLang="zh-TW" smtClean="0"/>
               <a:t>Third level</a:t>
             </a:r>
           </a:p>
           <a:p>
             <a:pPr lvl="3"/>
             <a:r>
-              <a:rPr lang="en-US" smtClean="0"/>
+              <a:rPr lang="en-US" altLang="zh-TW" smtClean="0"/>
               <a:t>Fourth level</a:t>
             </a:r>
           </a:p>
           <a:p>
             <a:pPr lvl="4"/>
             <a:r>
-              <a:rPr lang="en-US" smtClean="0"/>
+              <a:rPr lang="en-US" altLang="zh-TW" smtClean="0"/>
               <a:t>Fifth level</a:t>
             </a:r>
-            <a:endParaRPr lang="en-US"/>
-          </a:p>
-        </p:txBody>
-      </p:sp>
-      <p:sp>
-        <p:nvSpPr>
-          <p:cNvPr id="4" name="Date Placeholder 3"/>
+            <a:endParaRPr lang="zh-TW" altLang="en-US"/>
+          </a:p>
+        </p:txBody>
+      </p:sp>
+      <p:sp>
+        <p:nvSpPr>
+          <p:cNvPr id="4" name="日期版面配置區 3"/>
           <p:cNvSpPr>
             <a:spLocks noGrp="1"/>
           </p:cNvSpPr>
@@ -458,7 +474,7 @@
           <a:p>
             <a:fld id="{968E7122-F244-4236-92F7-220806544606}" type="datetimeFigureOut">
               <a:rPr lang="en-US" smtClean="0"/>
-              <a:t>4/16/2019</a:t>
+              <a:t>4/7/2020</a:t>
             </a:fld>
             <a:endParaRPr lang="en-US"/>
           </a:p>
@@ -466,7 +482,7 @@
       </p:sp>
       <p:sp>
         <p:nvSpPr>
-          <p:cNvPr id="5" name="Footer Placeholder 4"/>
+          <p:cNvPr id="5" name="頁尾版面配置區 4"/>
           <p:cNvSpPr>
             <a:spLocks noGrp="1"/>
           </p:cNvSpPr>
@@ -485,7 +501,7 @@
       </p:sp>
       <p:sp>
         <p:nvSpPr>
-          <p:cNvPr id="6" name="Slide Number Placeholder 5"/>
+          <p:cNvPr id="6" name="投影片編號版面配置區 5"/>
           <p:cNvSpPr>
             <a:spLocks noGrp="1"/>
           </p:cNvSpPr>
@@ -509,7 +525,7 @@
     </p:spTree>
     <p:extLst>
       <p:ext uri="{BB962C8B-B14F-4D97-AF65-F5344CB8AC3E}">
-        <p14:creationId xmlns:p14="http://schemas.microsoft.com/office/powerpoint/2010/main" val="789227092"/>
+        <p14:creationId xmlns:p14="http://schemas.microsoft.com/office/powerpoint/2010/main" val="3545133351"/>
       </p:ext>
     </p:extLst>
   </p:cSld>
@@ -521,7 +537,7 @@
 
 <file path=ppt/slideLayouts/slideLayout11.xml><?xml version="1.0" encoding="utf-8"?>
 <p:sldLayout xmlns:a="http://schemas.openxmlformats.org/drawingml/2006/main" xmlns:r="http://schemas.openxmlformats.org/officeDocument/2006/relationships" xmlns:p="http://schemas.openxmlformats.org/presentationml/2006/main" type="vertTitleAndTx" preserve="1">
-  <p:cSld name="Vertical Title and Text">
+  <p:cSld name="直排標題及文字">
     <p:spTree>
       <p:nvGrpSpPr>
         <p:cNvPr id="1" name=""/>
@@ -538,7 +554,7 @@
       </p:grpSpPr>
       <p:sp>
         <p:nvSpPr>
-          <p:cNvPr id="2" name="Vertical Title 1"/>
+          <p:cNvPr id="2" name="直排標題 1"/>
           <p:cNvSpPr>
             <a:spLocks noGrp="1"/>
           </p:cNvSpPr>
@@ -548,8 +564,8 @@
         </p:nvSpPr>
         <p:spPr>
           <a:xfrm>
-            <a:off x="6629400" y="274638"/>
-            <a:ext cx="2057400" cy="5851525"/>
+            <a:off x="8839200" y="274639"/>
+            <a:ext cx="2743200" cy="5851525"/>
           </a:xfrm>
         </p:spPr>
         <p:txBody>
@@ -557,16 +573,16 @@
           <a:lstStyle/>
           <a:p>
             <a:r>
-              <a:rPr lang="en-US" smtClean="0"/>
+              <a:rPr lang="en-US" altLang="zh-TW" smtClean="0"/>
               <a:t>Click to edit Master title style</a:t>
             </a:r>
-            <a:endParaRPr lang="en-US"/>
-          </a:p>
-        </p:txBody>
-      </p:sp>
-      <p:sp>
-        <p:nvSpPr>
-          <p:cNvPr id="3" name="Vertical Text Placeholder 2"/>
+            <a:endParaRPr lang="zh-TW" altLang="en-US"/>
+          </a:p>
+        </p:txBody>
+      </p:sp>
+      <p:sp>
+        <p:nvSpPr>
+          <p:cNvPr id="3" name="直排文字版面配置區 2"/>
           <p:cNvSpPr>
             <a:spLocks noGrp="1"/>
           </p:cNvSpPr>
@@ -576,8 +592,8 @@
         </p:nvSpPr>
         <p:spPr>
           <a:xfrm>
-            <a:off x="457200" y="274638"/>
-            <a:ext cx="6019800" cy="5851525"/>
+            <a:off x="609600" y="274639"/>
+            <a:ext cx="8026400" cy="5851525"/>
           </a:xfrm>
         </p:spPr>
         <p:txBody>
@@ -586,44 +602,44 @@
           <a:p>
             <a:pPr lvl="0"/>
             <a:r>
-              <a:rPr lang="en-US" smtClean="0"/>
-              <a:t>Click to edit Master text styles</a:t>
+              <a:rPr lang="en-US" altLang="zh-TW" smtClean="0"/>
+              <a:t>Edit Master text styles</a:t>
             </a:r>
           </a:p>
           <a:p>
             <a:pPr lvl="1"/>
             <a:r>
-              <a:rPr lang="en-US" smtClean="0"/>
+              <a:rPr lang="en-US" altLang="zh-TW" smtClean="0"/>
               <a:t>Second level</a:t>
             </a:r>
           </a:p>
           <a:p>
             <a:pPr lvl="2"/>
             <a:r>
-              <a:rPr lang="en-US" smtClean="0"/>
+              <a:rPr lang="en-US" altLang="zh-TW" smtClean="0"/>
               <a:t>Third level</a:t>
             </a:r>
           </a:p>
           <a:p>
             <a:pPr lvl="3"/>
             <a:r>
-              <a:rPr lang="en-US" smtClean="0"/>
+              <a:rPr lang="en-US" altLang="zh-TW" smtClean="0"/>
               <a:t>Fourth level</a:t>
             </a:r>
           </a:p>
           <a:p>
             <a:pPr lvl="4"/>
             <a:r>
-              <a:rPr lang="en-US" smtClean="0"/>
+              <a:rPr lang="en-US" altLang="zh-TW" smtClean="0"/>
               <a:t>Fifth level</a:t>
             </a:r>
-            <a:endParaRPr lang="en-US"/>
-          </a:p>
-        </p:txBody>
-      </p:sp>
-      <p:sp>
-        <p:nvSpPr>
-          <p:cNvPr id="4" name="Date Placeholder 3"/>
+            <a:endParaRPr lang="zh-TW" altLang="en-US"/>
+          </a:p>
+        </p:txBody>
+      </p:sp>
+      <p:sp>
+        <p:nvSpPr>
+          <p:cNvPr id="4" name="日期版面配置區 3"/>
           <p:cNvSpPr>
             <a:spLocks noGrp="1"/>
           </p:cNvSpPr>
@@ -638,7 +654,7 @@
           <a:p>
             <a:fld id="{968E7122-F244-4236-92F7-220806544606}" type="datetimeFigureOut">
               <a:rPr lang="en-US" smtClean="0"/>
-              <a:t>4/16/2019</a:t>
+              <a:t>4/7/2020</a:t>
             </a:fld>
             <a:endParaRPr lang="en-US"/>
           </a:p>
@@ -646,7 +662,7 @@
       </p:sp>
       <p:sp>
         <p:nvSpPr>
-          <p:cNvPr id="5" name="Footer Placeholder 4"/>
+          <p:cNvPr id="5" name="頁尾版面配置區 4"/>
           <p:cNvSpPr>
             <a:spLocks noGrp="1"/>
           </p:cNvSpPr>
@@ -665,7 +681,7 @@
       </p:sp>
       <p:sp>
         <p:nvSpPr>
-          <p:cNvPr id="6" name="Slide Number Placeholder 5"/>
+          <p:cNvPr id="6" name="投影片編號版面配置區 5"/>
           <p:cNvSpPr>
             <a:spLocks noGrp="1"/>
           </p:cNvSpPr>
@@ -689,7 +705,7 @@
     </p:spTree>
     <p:extLst>
       <p:ext uri="{BB962C8B-B14F-4D97-AF65-F5344CB8AC3E}">
-        <p14:creationId xmlns:p14="http://schemas.microsoft.com/office/powerpoint/2010/main" val="1162799203"/>
+        <p14:creationId xmlns:p14="http://schemas.microsoft.com/office/powerpoint/2010/main" val="4045324534"/>
       </p:ext>
     </p:extLst>
   </p:cSld>
@@ -701,7 +717,7 @@
 
 <file path=ppt/slideLayouts/slideLayout2.xml><?xml version="1.0" encoding="utf-8"?>
 <p:sldLayout xmlns:a="http://schemas.openxmlformats.org/drawingml/2006/main" xmlns:r="http://schemas.openxmlformats.org/officeDocument/2006/relationships" xmlns:p="http://schemas.openxmlformats.org/presentationml/2006/main" type="obj" preserve="1">
-  <p:cSld name="Title and Content">
+  <p:cSld name="標題及物件">
     <p:spTree>
       <p:nvGrpSpPr>
         <p:cNvPr id="1" name=""/>
@@ -718,7 +734,7 @@
       </p:grpSpPr>
       <p:sp>
         <p:nvSpPr>
-          <p:cNvPr id="2" name="Title 1"/>
+          <p:cNvPr id="2" name="標題 1"/>
           <p:cNvSpPr>
             <a:spLocks noGrp="1"/>
           </p:cNvSpPr>
@@ -732,16 +748,16 @@
           <a:lstStyle/>
           <a:p>
             <a:r>
-              <a:rPr lang="en-US" smtClean="0"/>
+              <a:rPr lang="en-US" altLang="zh-TW" smtClean="0"/>
               <a:t>Click to edit Master title style</a:t>
             </a:r>
-            <a:endParaRPr lang="en-US"/>
-          </a:p>
-        </p:txBody>
-      </p:sp>
-      <p:sp>
-        <p:nvSpPr>
-          <p:cNvPr id="3" name="Content Placeholder 2"/>
+            <a:endParaRPr lang="zh-TW" altLang="en-US"/>
+          </a:p>
+        </p:txBody>
+      </p:sp>
+      <p:sp>
+        <p:nvSpPr>
+          <p:cNvPr id="3" name="內容版面配置區 2"/>
           <p:cNvSpPr>
             <a:spLocks noGrp="1"/>
           </p:cNvSpPr>
@@ -756,44 +772,44 @@
           <a:p>
             <a:pPr lvl="0"/>
             <a:r>
-              <a:rPr lang="en-US" smtClean="0"/>
-              <a:t>Click to edit Master text styles</a:t>
+              <a:rPr lang="en-US" altLang="zh-TW" smtClean="0"/>
+              <a:t>Edit Master text styles</a:t>
             </a:r>
           </a:p>
           <a:p>
             <a:pPr lvl="1"/>
             <a:r>
-              <a:rPr lang="en-US" smtClean="0"/>
+              <a:rPr lang="en-US" altLang="zh-TW" smtClean="0"/>
               <a:t>Second level</a:t>
             </a:r>
           </a:p>
           <a:p>
             <a:pPr lvl="2"/>
             <a:r>
-              <a:rPr lang="en-US" smtClean="0"/>
+              <a:rPr lang="en-US" altLang="zh-TW" smtClean="0"/>
               <a:t>Third level</a:t>
             </a:r>
           </a:p>
           <a:p>
             <a:pPr lvl="3"/>
             <a:r>
-              <a:rPr lang="en-US" smtClean="0"/>
+              <a:rPr lang="en-US" altLang="zh-TW" smtClean="0"/>
               <a:t>Fourth level</a:t>
             </a:r>
           </a:p>
           <a:p>
             <a:pPr lvl="4"/>
             <a:r>
-              <a:rPr lang="en-US" smtClean="0"/>
+              <a:rPr lang="en-US" altLang="zh-TW" smtClean="0"/>
               <a:t>Fifth level</a:t>
             </a:r>
-            <a:endParaRPr lang="en-US"/>
-          </a:p>
-        </p:txBody>
-      </p:sp>
-      <p:sp>
-        <p:nvSpPr>
-          <p:cNvPr id="4" name="Date Placeholder 3"/>
+            <a:endParaRPr lang="zh-TW" altLang="en-US"/>
+          </a:p>
+        </p:txBody>
+      </p:sp>
+      <p:sp>
+        <p:nvSpPr>
+          <p:cNvPr id="4" name="日期版面配置區 3"/>
           <p:cNvSpPr>
             <a:spLocks noGrp="1"/>
           </p:cNvSpPr>
@@ -808,7 +824,7 @@
           <a:p>
             <a:fld id="{968E7122-F244-4236-92F7-220806544606}" type="datetimeFigureOut">
               <a:rPr lang="en-US" smtClean="0"/>
-              <a:t>4/16/2019</a:t>
+              <a:t>4/7/2020</a:t>
             </a:fld>
             <a:endParaRPr lang="en-US"/>
           </a:p>
@@ -816,7 +832,7 @@
       </p:sp>
       <p:sp>
         <p:nvSpPr>
-          <p:cNvPr id="5" name="Footer Placeholder 4"/>
+          <p:cNvPr id="5" name="頁尾版面配置區 4"/>
           <p:cNvSpPr>
             <a:spLocks noGrp="1"/>
           </p:cNvSpPr>
@@ -835,7 +851,7 @@
       </p:sp>
       <p:sp>
         <p:nvSpPr>
-          <p:cNvPr id="6" name="Slide Number Placeholder 5"/>
+          <p:cNvPr id="6" name="投影片編號版面配置區 5"/>
           <p:cNvSpPr>
             <a:spLocks noGrp="1"/>
           </p:cNvSpPr>
@@ -859,7 +875,7 @@
     </p:spTree>
     <p:extLst>
       <p:ext uri="{BB962C8B-B14F-4D97-AF65-F5344CB8AC3E}">
-        <p14:creationId xmlns:p14="http://schemas.microsoft.com/office/powerpoint/2010/main" val="1731768962"/>
+        <p14:creationId xmlns:p14="http://schemas.microsoft.com/office/powerpoint/2010/main" val="3137200138"/>
       </p:ext>
     </p:extLst>
   </p:cSld>
@@ -871,7 +887,7 @@
 
 <file path=ppt/slideLayouts/slideLayout3.xml><?xml version="1.0" encoding="utf-8"?>
 <p:sldLayout xmlns:a="http://schemas.openxmlformats.org/drawingml/2006/main" xmlns:r="http://schemas.openxmlformats.org/officeDocument/2006/relationships" xmlns:p="http://schemas.openxmlformats.org/presentationml/2006/main" type="secHead" preserve="1">
-  <p:cSld name="Section Header">
+  <p:cSld name="區段標題">
     <p:spTree>
       <p:nvGrpSpPr>
         <p:cNvPr id="1" name=""/>
@@ -888,7 +904,7 @@
       </p:grpSpPr>
       <p:sp>
         <p:nvSpPr>
-          <p:cNvPr id="2" name="Title 1"/>
+          <p:cNvPr id="2" name="標題 1"/>
           <p:cNvSpPr>
             <a:spLocks noGrp="1"/>
           </p:cNvSpPr>
@@ -898,29 +914,29 @@
         </p:nvSpPr>
         <p:spPr>
           <a:xfrm>
-            <a:off x="722313" y="4406900"/>
-            <a:ext cx="7772400" cy="1362075"/>
+            <a:off x="963084" y="4406901"/>
+            <a:ext cx="10363200" cy="1362075"/>
           </a:xfrm>
         </p:spPr>
         <p:txBody>
           <a:bodyPr anchor="t"/>
           <a:lstStyle>
             <a:lvl1pPr algn="l">
-              <a:defRPr sz="4000" b="1" cap="all"/>
+              <a:defRPr sz="5333" b="1" cap="all"/>
             </a:lvl1pPr>
           </a:lstStyle>
           <a:p>
             <a:r>
-              <a:rPr lang="en-US" smtClean="0"/>
+              <a:rPr lang="en-US" altLang="zh-TW" smtClean="0"/>
               <a:t>Click to edit Master title style</a:t>
             </a:r>
-            <a:endParaRPr lang="en-US"/>
-          </a:p>
-        </p:txBody>
-      </p:sp>
-      <p:sp>
-        <p:nvSpPr>
-          <p:cNvPr id="3" name="Text Placeholder 2"/>
+            <a:endParaRPr lang="zh-TW" altLang="en-US"/>
+          </a:p>
+        </p:txBody>
+      </p:sp>
+      <p:sp>
+        <p:nvSpPr>
+          <p:cNvPr id="3" name="文字版面配置區 2"/>
           <p:cNvSpPr>
             <a:spLocks noGrp="1"/>
           </p:cNvSpPr>
@@ -930,8 +946,8 @@
         </p:nvSpPr>
         <p:spPr>
           <a:xfrm>
-            <a:off x="722313" y="2906713"/>
-            <a:ext cx="7772400" cy="1500187"/>
+            <a:off x="963084" y="2906713"/>
+            <a:ext cx="10363200" cy="1500187"/>
           </a:xfrm>
         </p:spPr>
         <p:txBody>
@@ -939,7 +955,7 @@
           <a:lstStyle>
             <a:lvl1pPr marL="0" indent="0">
               <a:buNone/>
-              <a:defRPr sz="2000">
+              <a:defRPr sz="2667">
                 <a:solidFill>
                   <a:schemeClr val="tx1">
                     <a:tint val="75000"/>
@@ -947,9 +963,9 @@
                 </a:solidFill>
               </a:defRPr>
             </a:lvl1pPr>
-            <a:lvl2pPr marL="457200" indent="0">
-              <a:buNone/>
-              <a:defRPr sz="1800">
+            <a:lvl2pPr marL="609585" indent="0">
+              <a:buNone/>
+              <a:defRPr sz="2400">
                 <a:solidFill>
                   <a:schemeClr val="tx1">
                     <a:tint val="75000"/>
@@ -957,9 +973,9 @@
                 </a:solidFill>
               </a:defRPr>
             </a:lvl2pPr>
-            <a:lvl3pPr marL="914400" indent="0">
-              <a:buNone/>
-              <a:defRPr sz="1600">
+            <a:lvl3pPr marL="1219170" indent="0">
+              <a:buNone/>
+              <a:defRPr sz="2133">
                 <a:solidFill>
                   <a:schemeClr val="tx1">
                     <a:tint val="75000"/>
@@ -967,9 +983,9 @@
                 </a:solidFill>
               </a:defRPr>
             </a:lvl3pPr>
-            <a:lvl4pPr marL="1371600" indent="0">
-              <a:buNone/>
-              <a:defRPr sz="1400">
+            <a:lvl4pPr marL="1828754" indent="0">
+              <a:buNone/>
+              <a:defRPr sz="1867">
                 <a:solidFill>
                   <a:schemeClr val="tx1">
                     <a:tint val="75000"/>
@@ -977,9 +993,9 @@
                 </a:solidFill>
               </a:defRPr>
             </a:lvl4pPr>
-            <a:lvl5pPr marL="1828800" indent="0">
-              <a:buNone/>
-              <a:defRPr sz="1400">
+            <a:lvl5pPr marL="2438339" indent="0">
+              <a:buNone/>
+              <a:defRPr sz="1867">
                 <a:solidFill>
                   <a:schemeClr val="tx1">
                     <a:tint val="75000"/>
@@ -987,9 +1003,9 @@
                 </a:solidFill>
               </a:defRPr>
             </a:lvl5pPr>
-            <a:lvl6pPr marL="2286000" indent="0">
-              <a:buNone/>
-              <a:defRPr sz="1400">
+            <a:lvl6pPr marL="3047924" indent="0">
+              <a:buNone/>
+              <a:defRPr sz="1867">
                 <a:solidFill>
                   <a:schemeClr val="tx1">
                     <a:tint val="75000"/>
@@ -997,9 +1013,9 @@
                 </a:solidFill>
               </a:defRPr>
             </a:lvl6pPr>
-            <a:lvl7pPr marL="2743200" indent="0">
-              <a:buNone/>
-              <a:defRPr sz="1400">
+            <a:lvl7pPr marL="3657509" indent="0">
+              <a:buNone/>
+              <a:defRPr sz="1867">
                 <a:solidFill>
                   <a:schemeClr val="tx1">
                     <a:tint val="75000"/>
@@ -1007,9 +1023,9 @@
                 </a:solidFill>
               </a:defRPr>
             </a:lvl7pPr>
-            <a:lvl8pPr marL="3200400" indent="0">
-              <a:buNone/>
-              <a:defRPr sz="1400">
+            <a:lvl8pPr marL="4267093" indent="0">
+              <a:buNone/>
+              <a:defRPr sz="1867">
                 <a:solidFill>
                   <a:schemeClr val="tx1">
                     <a:tint val="75000"/>
@@ -1017,9 +1033,9 @@
                 </a:solidFill>
               </a:defRPr>
             </a:lvl8pPr>
-            <a:lvl9pPr marL="3657600" indent="0">
-              <a:buNone/>
-              <a:defRPr sz="1400">
+            <a:lvl9pPr marL="4876678" indent="0">
+              <a:buNone/>
+              <a:defRPr sz="1867">
                 <a:solidFill>
                   <a:schemeClr val="tx1">
                     <a:tint val="75000"/>
@@ -1031,15 +1047,15 @@
           <a:p>
             <a:pPr lvl="0"/>
             <a:r>
-              <a:rPr lang="en-US" smtClean="0"/>
-              <a:t>Click to edit Master text styles</a:t>
-            </a:r>
-          </a:p>
-        </p:txBody>
-      </p:sp>
-      <p:sp>
-        <p:nvSpPr>
-          <p:cNvPr id="4" name="Date Placeholder 3"/>
+              <a:rPr lang="en-US" altLang="zh-TW" smtClean="0"/>
+              <a:t>Edit Master text styles</a:t>
+            </a:r>
+          </a:p>
+        </p:txBody>
+      </p:sp>
+      <p:sp>
+        <p:nvSpPr>
+          <p:cNvPr id="4" name="日期版面配置區 3"/>
           <p:cNvSpPr>
             <a:spLocks noGrp="1"/>
           </p:cNvSpPr>
@@ -1054,7 +1070,7 @@
           <a:p>
             <a:fld id="{968E7122-F244-4236-92F7-220806544606}" type="datetimeFigureOut">
               <a:rPr lang="en-US" smtClean="0"/>
-              <a:t>4/16/2019</a:t>
+              <a:t>4/7/2020</a:t>
             </a:fld>
             <a:endParaRPr lang="en-US"/>
           </a:p>
@@ -1062,7 +1078,7 @@
       </p:sp>
       <p:sp>
         <p:nvSpPr>
-          <p:cNvPr id="5" name="Footer Placeholder 4"/>
+          <p:cNvPr id="5" name="頁尾版面配置區 4"/>
           <p:cNvSpPr>
             <a:spLocks noGrp="1"/>
           </p:cNvSpPr>
@@ -1081,7 +1097,7 @@
       </p:sp>
       <p:sp>
         <p:nvSpPr>
-          <p:cNvPr id="6" name="Slide Number Placeholder 5"/>
+          <p:cNvPr id="6" name="投影片編號版面配置區 5"/>
           <p:cNvSpPr>
             <a:spLocks noGrp="1"/>
           </p:cNvSpPr>
@@ -1105,7 +1121,7 @@
     </p:spTree>
     <p:extLst>
       <p:ext uri="{BB962C8B-B14F-4D97-AF65-F5344CB8AC3E}">
-        <p14:creationId xmlns:p14="http://schemas.microsoft.com/office/powerpoint/2010/main" val="1205613810"/>
+        <p14:creationId xmlns:p14="http://schemas.microsoft.com/office/powerpoint/2010/main" val="693462463"/>
       </p:ext>
     </p:extLst>
   </p:cSld>
@@ -1117,7 +1133,7 @@
 
 <file path=ppt/slideLayouts/slideLayout4.xml><?xml version="1.0" encoding="utf-8"?>
 <p:sldLayout xmlns:a="http://schemas.openxmlformats.org/drawingml/2006/main" xmlns:r="http://schemas.openxmlformats.org/officeDocument/2006/relationships" xmlns:p="http://schemas.openxmlformats.org/presentationml/2006/main" type="twoObj" preserve="1">
-  <p:cSld name="Two Content">
+  <p:cSld name="兩項物件">
     <p:spTree>
       <p:nvGrpSpPr>
         <p:cNvPr id="1" name=""/>
@@ -1134,7 +1150,7 @@
       </p:grpSpPr>
       <p:sp>
         <p:nvSpPr>
-          <p:cNvPr id="2" name="Title 1"/>
+          <p:cNvPr id="2" name="標題 1"/>
           <p:cNvSpPr>
             <a:spLocks noGrp="1"/>
           </p:cNvSpPr>
@@ -1148,16 +1164,16 @@
           <a:lstStyle/>
           <a:p>
             <a:r>
-              <a:rPr lang="en-US" smtClean="0"/>
+              <a:rPr lang="en-US" altLang="zh-TW" smtClean="0"/>
               <a:t>Click to edit Master title style</a:t>
             </a:r>
-            <a:endParaRPr lang="en-US"/>
-          </a:p>
-        </p:txBody>
-      </p:sp>
-      <p:sp>
-        <p:nvSpPr>
-          <p:cNvPr id="3" name="Content Placeholder 2"/>
+            <a:endParaRPr lang="zh-TW" altLang="en-US"/>
+          </a:p>
+        </p:txBody>
+      </p:sp>
+      <p:sp>
+        <p:nvSpPr>
+          <p:cNvPr id="3" name="內容版面配置區 2"/>
           <p:cNvSpPr>
             <a:spLocks noGrp="1"/>
           </p:cNvSpPr>
@@ -1167,82 +1183,82 @@
         </p:nvSpPr>
         <p:spPr>
           <a:xfrm>
-            <a:off x="457200" y="1600200"/>
-            <a:ext cx="4038600" cy="4525963"/>
+            <a:off x="609600" y="1600201"/>
+            <a:ext cx="5384800" cy="4525963"/>
           </a:xfrm>
         </p:spPr>
         <p:txBody>
           <a:bodyPr/>
           <a:lstStyle>
             <a:lvl1pPr>
-              <a:defRPr sz="2800"/>
+              <a:defRPr sz="3733"/>
             </a:lvl1pPr>
             <a:lvl2pPr>
-              <a:defRPr sz="2400"/>
+              <a:defRPr sz="3200"/>
             </a:lvl2pPr>
             <a:lvl3pPr>
-              <a:defRPr sz="2000"/>
+              <a:defRPr sz="2667"/>
             </a:lvl3pPr>
             <a:lvl4pPr>
-              <a:defRPr sz="1800"/>
+              <a:defRPr sz="2400"/>
             </a:lvl4pPr>
             <a:lvl5pPr>
-              <a:defRPr sz="1800"/>
+              <a:defRPr sz="2400"/>
             </a:lvl5pPr>
             <a:lvl6pPr>
-              <a:defRPr sz="1800"/>
+              <a:defRPr sz="2400"/>
             </a:lvl6pPr>
             <a:lvl7pPr>
-              <a:defRPr sz="1800"/>
+              <a:defRPr sz="2400"/>
             </a:lvl7pPr>
             <a:lvl8pPr>
-              <a:defRPr sz="1800"/>
+              <a:defRPr sz="2400"/>
             </a:lvl8pPr>
             <a:lvl9pPr>
-              <a:defRPr sz="1800"/>
+              <a:defRPr sz="2400"/>
             </a:lvl9pPr>
           </a:lstStyle>
           <a:p>
             <a:pPr lvl="0"/>
             <a:r>
-              <a:rPr lang="en-US" smtClean="0"/>
-              <a:t>Click to edit Master text styles</a:t>
+              <a:rPr lang="en-US" altLang="zh-TW" smtClean="0"/>
+              <a:t>Edit Master text styles</a:t>
             </a:r>
           </a:p>
           <a:p>
             <a:pPr lvl="1"/>
             <a:r>
-              <a:rPr lang="en-US" smtClean="0"/>
+              <a:rPr lang="en-US" altLang="zh-TW" smtClean="0"/>
               <a:t>Second level</a:t>
             </a:r>
           </a:p>
           <a:p>
             <a:pPr lvl="2"/>
             <a:r>
-              <a:rPr lang="en-US" smtClean="0"/>
+              <a:rPr lang="en-US" altLang="zh-TW" smtClean="0"/>
               <a:t>Third level</a:t>
             </a:r>
           </a:p>
           <a:p>
             <a:pPr lvl="3"/>
             <a:r>
-              <a:rPr lang="en-US" smtClean="0"/>
+              <a:rPr lang="en-US" altLang="zh-TW" smtClean="0"/>
               <a:t>Fourth level</a:t>
             </a:r>
           </a:p>
           <a:p>
             <a:pPr lvl="4"/>
             <a:r>
-              <a:rPr lang="en-US" smtClean="0"/>
+              <a:rPr lang="en-US" altLang="zh-TW" smtClean="0"/>
               <a:t>Fifth level</a:t>
             </a:r>
-            <a:endParaRPr lang="en-US"/>
-          </a:p>
-        </p:txBody>
-      </p:sp>
-      <p:sp>
-        <p:nvSpPr>
-          <p:cNvPr id="4" name="Content Placeholder 3"/>
+            <a:endParaRPr lang="zh-TW" altLang="en-US"/>
+          </a:p>
+        </p:txBody>
+      </p:sp>
+      <p:sp>
+        <p:nvSpPr>
+          <p:cNvPr id="4" name="內容版面配置區 3"/>
           <p:cNvSpPr>
             <a:spLocks noGrp="1"/>
           </p:cNvSpPr>
@@ -1252,82 +1268,82 @@
         </p:nvSpPr>
         <p:spPr>
           <a:xfrm>
-            <a:off x="4648200" y="1600200"/>
-            <a:ext cx="4038600" cy="4525963"/>
+            <a:off x="6197600" y="1600201"/>
+            <a:ext cx="5384800" cy="4525963"/>
           </a:xfrm>
         </p:spPr>
         <p:txBody>
           <a:bodyPr/>
           <a:lstStyle>
             <a:lvl1pPr>
-              <a:defRPr sz="2800"/>
+              <a:defRPr sz="3733"/>
             </a:lvl1pPr>
             <a:lvl2pPr>
-              <a:defRPr sz="2400"/>
+              <a:defRPr sz="3200"/>
             </a:lvl2pPr>
             <a:lvl3pPr>
-              <a:defRPr sz="2000"/>
+              <a:defRPr sz="2667"/>
             </a:lvl3pPr>
             <a:lvl4pPr>
-              <a:defRPr sz="1800"/>
+              <a:defRPr sz="2400"/>
             </a:lvl4pPr>
             <a:lvl5pPr>
-              <a:defRPr sz="1800"/>
+              <a:defRPr sz="2400"/>
             </a:lvl5pPr>
             <a:lvl6pPr>
-              <a:defRPr sz="1800"/>
+              <a:defRPr sz="2400"/>
             </a:lvl6pPr>
             <a:lvl7pPr>
-              <a:defRPr sz="1800"/>
+              <a:defRPr sz="2400"/>
             </a:lvl7pPr>
             <a:lvl8pPr>
-              <a:defRPr sz="1800"/>
+              <a:defRPr sz="2400"/>
             </a:lvl8pPr>
             <a:lvl9pPr>
-              <a:defRPr sz="1800"/>
+              <a:defRPr sz="2400"/>
             </a:lvl9pPr>
           </a:lstStyle>
           <a:p>
             <a:pPr lvl="0"/>
             <a:r>
-              <a:rPr lang="en-US" smtClean="0"/>
-              <a:t>Click to edit Master text styles</a:t>
+              <a:rPr lang="en-US" altLang="zh-TW" smtClean="0"/>
+              <a:t>Edit Master text styles</a:t>
             </a:r>
           </a:p>
           <a:p>
             <a:pPr lvl="1"/>
             <a:r>
-              <a:rPr lang="en-US" smtClean="0"/>
+              <a:rPr lang="en-US" altLang="zh-TW" smtClean="0"/>
               <a:t>Second level</a:t>
             </a:r>
           </a:p>
           <a:p>
             <a:pPr lvl="2"/>
             <a:r>
-              <a:rPr lang="en-US" smtClean="0"/>
+              <a:rPr lang="en-US" altLang="zh-TW" smtClean="0"/>
               <a:t>Third level</a:t>
             </a:r>
           </a:p>
           <a:p>
             <a:pPr lvl="3"/>
             <a:r>
-              <a:rPr lang="en-US" smtClean="0"/>
+              <a:rPr lang="en-US" altLang="zh-TW" smtClean="0"/>
               <a:t>Fourth level</a:t>
             </a:r>
           </a:p>
           <a:p>
             <a:pPr lvl="4"/>
             <a:r>
-              <a:rPr lang="en-US" smtClean="0"/>
+              <a:rPr lang="en-US" altLang="zh-TW" smtClean="0"/>
               <a:t>Fifth level</a:t>
             </a:r>
-            <a:endParaRPr lang="en-US"/>
-          </a:p>
-        </p:txBody>
-      </p:sp>
-      <p:sp>
-        <p:nvSpPr>
-          <p:cNvPr id="5" name="Date Placeholder 4"/>
+            <a:endParaRPr lang="zh-TW" altLang="en-US"/>
+          </a:p>
+        </p:txBody>
+      </p:sp>
+      <p:sp>
+        <p:nvSpPr>
+          <p:cNvPr id="5" name="日期版面配置區 4"/>
           <p:cNvSpPr>
             <a:spLocks noGrp="1"/>
           </p:cNvSpPr>
@@ -1342,7 +1358,7 @@
           <a:p>
             <a:fld id="{968E7122-F244-4236-92F7-220806544606}" type="datetimeFigureOut">
               <a:rPr lang="en-US" smtClean="0"/>
-              <a:t>4/16/2019</a:t>
+              <a:t>4/7/2020</a:t>
             </a:fld>
             <a:endParaRPr lang="en-US"/>
           </a:p>
@@ -1350,7 +1366,7 @@
       </p:sp>
       <p:sp>
         <p:nvSpPr>
-          <p:cNvPr id="6" name="Footer Placeholder 5"/>
+          <p:cNvPr id="6" name="頁尾版面配置區 5"/>
           <p:cNvSpPr>
             <a:spLocks noGrp="1"/>
           </p:cNvSpPr>
@@ -1369,7 +1385,7 @@
       </p:sp>
       <p:sp>
         <p:nvSpPr>
-          <p:cNvPr id="7" name="Slide Number Placeholder 6"/>
+          <p:cNvPr id="7" name="投影片編號版面配置區 6"/>
           <p:cNvSpPr>
             <a:spLocks noGrp="1"/>
           </p:cNvSpPr>
@@ -1393,7 +1409,7 @@
     </p:spTree>
     <p:extLst>
       <p:ext uri="{BB962C8B-B14F-4D97-AF65-F5344CB8AC3E}">
-        <p14:creationId xmlns:p14="http://schemas.microsoft.com/office/powerpoint/2010/main" val="2263097636"/>
+        <p14:creationId xmlns:p14="http://schemas.microsoft.com/office/powerpoint/2010/main" val="3674215651"/>
       </p:ext>
     </p:extLst>
   </p:cSld>
@@ -1405,7 +1421,7 @@
 
 <file path=ppt/slideLayouts/slideLayout5.xml><?xml version="1.0" encoding="utf-8"?>
 <p:sldLayout xmlns:a="http://schemas.openxmlformats.org/drawingml/2006/main" xmlns:r="http://schemas.openxmlformats.org/officeDocument/2006/relationships" xmlns:p="http://schemas.openxmlformats.org/presentationml/2006/main" type="twoTxTwoObj" preserve="1">
-  <p:cSld name="Comparison">
+  <p:cSld name="比對">
     <p:spTree>
       <p:nvGrpSpPr>
         <p:cNvPr id="1" name=""/>
@@ -1422,7 +1438,7 @@
       </p:grpSpPr>
       <p:sp>
         <p:nvSpPr>
-          <p:cNvPr id="2" name="Title 1"/>
+          <p:cNvPr id="2" name="標題 1"/>
           <p:cNvSpPr>
             <a:spLocks noGrp="1"/>
           </p:cNvSpPr>
@@ -1440,16 +1456,16 @@
           </a:lstStyle>
           <a:p>
             <a:r>
-              <a:rPr lang="en-US" smtClean="0"/>
+              <a:rPr lang="en-US" altLang="zh-TW" smtClean="0"/>
               <a:t>Click to edit Master title style</a:t>
             </a:r>
-            <a:endParaRPr lang="en-US"/>
-          </a:p>
-        </p:txBody>
-      </p:sp>
-      <p:sp>
-        <p:nvSpPr>
-          <p:cNvPr id="3" name="Text Placeholder 2"/>
+            <a:endParaRPr lang="zh-TW" altLang="en-US"/>
+          </a:p>
+        </p:txBody>
+      </p:sp>
+      <p:sp>
+        <p:nvSpPr>
+          <p:cNvPr id="3" name="文字版面配置區 2"/>
           <p:cNvSpPr>
             <a:spLocks noGrp="1"/>
           </p:cNvSpPr>
@@ -1459,8 +1475,8 @@
         </p:nvSpPr>
         <p:spPr>
           <a:xfrm>
-            <a:off x="457200" y="1535113"/>
-            <a:ext cx="4040188" cy="639762"/>
+            <a:off x="609600" y="1535113"/>
+            <a:ext cx="5386917" cy="639763"/>
           </a:xfrm>
         </p:spPr>
         <p:txBody>
@@ -1468,53 +1484,53 @@
           <a:lstStyle>
             <a:lvl1pPr marL="0" indent="0">
               <a:buNone/>
+              <a:defRPr sz="3200" b="1"/>
+            </a:lvl1pPr>
+            <a:lvl2pPr marL="609585" indent="0">
+              <a:buNone/>
+              <a:defRPr sz="2667" b="1"/>
+            </a:lvl2pPr>
+            <a:lvl3pPr marL="1219170" indent="0">
+              <a:buNone/>
               <a:defRPr sz="2400" b="1"/>
-            </a:lvl1pPr>
-            <a:lvl2pPr marL="457200" indent="0">
-              <a:buNone/>
-              <a:defRPr sz="2000" b="1"/>
-            </a:lvl2pPr>
-            <a:lvl3pPr marL="914400" indent="0">
-              <a:buNone/>
-              <a:defRPr sz="1800" b="1"/>
             </a:lvl3pPr>
-            <a:lvl4pPr marL="1371600" indent="0">
-              <a:buNone/>
-              <a:defRPr sz="1600" b="1"/>
+            <a:lvl4pPr marL="1828754" indent="0">
+              <a:buNone/>
+              <a:defRPr sz="2133" b="1"/>
             </a:lvl4pPr>
-            <a:lvl5pPr marL="1828800" indent="0">
-              <a:buNone/>
-              <a:defRPr sz="1600" b="1"/>
+            <a:lvl5pPr marL="2438339" indent="0">
+              <a:buNone/>
+              <a:defRPr sz="2133" b="1"/>
             </a:lvl5pPr>
-            <a:lvl6pPr marL="2286000" indent="0">
-              <a:buNone/>
-              <a:defRPr sz="1600" b="1"/>
+            <a:lvl6pPr marL="3047924" indent="0">
+              <a:buNone/>
+              <a:defRPr sz="2133" b="1"/>
             </a:lvl6pPr>
-            <a:lvl7pPr marL="2743200" indent="0">
-              <a:buNone/>
-              <a:defRPr sz="1600" b="1"/>
+            <a:lvl7pPr marL="3657509" indent="0">
+              <a:buNone/>
+              <a:defRPr sz="2133" b="1"/>
             </a:lvl7pPr>
-            <a:lvl8pPr marL="3200400" indent="0">
-              <a:buNone/>
-              <a:defRPr sz="1600" b="1"/>
+            <a:lvl8pPr marL="4267093" indent="0">
+              <a:buNone/>
+              <a:defRPr sz="2133" b="1"/>
             </a:lvl8pPr>
-            <a:lvl9pPr marL="3657600" indent="0">
-              <a:buNone/>
-              <a:defRPr sz="1600" b="1"/>
+            <a:lvl9pPr marL="4876678" indent="0">
+              <a:buNone/>
+              <a:defRPr sz="2133" b="1"/>
             </a:lvl9pPr>
           </a:lstStyle>
           <a:p>
             <a:pPr lvl="0"/>
             <a:r>
-              <a:rPr lang="en-US" smtClean="0"/>
-              <a:t>Click to edit Master text styles</a:t>
-            </a:r>
-          </a:p>
-        </p:txBody>
-      </p:sp>
-      <p:sp>
-        <p:nvSpPr>
-          <p:cNvPr id="4" name="Content Placeholder 3"/>
+              <a:rPr lang="en-US" altLang="zh-TW" smtClean="0"/>
+              <a:t>Edit Master text styles</a:t>
+            </a:r>
+          </a:p>
+        </p:txBody>
+      </p:sp>
+      <p:sp>
+        <p:nvSpPr>
+          <p:cNvPr id="4" name="內容版面配置區 3"/>
           <p:cNvSpPr>
             <a:spLocks noGrp="1"/>
           </p:cNvSpPr>
@@ -1524,82 +1540,82 @@
         </p:nvSpPr>
         <p:spPr>
           <a:xfrm>
-            <a:off x="457200" y="2174875"/>
-            <a:ext cx="4040188" cy="3951288"/>
+            <a:off x="609600" y="2174875"/>
+            <a:ext cx="5386917" cy="3951288"/>
           </a:xfrm>
         </p:spPr>
         <p:txBody>
           <a:bodyPr/>
           <a:lstStyle>
             <a:lvl1pPr>
-              <a:defRPr sz="2400"/>
+              <a:defRPr sz="3200"/>
             </a:lvl1pPr>
             <a:lvl2pPr>
-              <a:defRPr sz="2000"/>
+              <a:defRPr sz="2667"/>
             </a:lvl2pPr>
             <a:lvl3pPr>
-              <a:defRPr sz="1800"/>
+              <a:defRPr sz="2400"/>
             </a:lvl3pPr>
             <a:lvl4pPr>
-              <a:defRPr sz="1600"/>
+              <a:defRPr sz="2133"/>
             </a:lvl4pPr>
             <a:lvl5pPr>
-              <a:defRPr sz="1600"/>
+              <a:defRPr sz="2133"/>
             </a:lvl5pPr>
             <a:lvl6pPr>
-              <a:defRPr sz="1600"/>
+              <a:defRPr sz="2133"/>
             </a:lvl6pPr>
             <a:lvl7pPr>
-              <a:defRPr sz="1600"/>
+              <a:defRPr sz="2133"/>
             </a:lvl7pPr>
             <a:lvl8pPr>
-              <a:defRPr sz="1600"/>
+              <a:defRPr sz="2133"/>
             </a:lvl8pPr>
             <a:lvl9pPr>
-              <a:defRPr sz="1600"/>
+              <a:defRPr sz="2133"/>
             </a:lvl9pPr>
           </a:lstStyle>
           <a:p>
             <a:pPr lvl="0"/>
             <a:r>
-              <a:rPr lang="en-US" smtClean="0"/>
-              <a:t>Click to edit Master text styles</a:t>
+              <a:rPr lang="en-US" altLang="zh-TW" smtClean="0"/>
+              <a:t>Edit Master text styles</a:t>
             </a:r>
           </a:p>
           <a:p>
             <a:pPr lvl="1"/>
             <a:r>
-              <a:rPr lang="en-US" smtClean="0"/>
+              <a:rPr lang="en-US" altLang="zh-TW" smtClean="0"/>
               <a:t>Second level</a:t>
             </a:r>
           </a:p>
           <a:p>
             <a:pPr lvl="2"/>
             <a:r>
-              <a:rPr lang="en-US" smtClean="0"/>
+              <a:rPr lang="en-US" altLang="zh-TW" smtClean="0"/>
               <a:t>Third level</a:t>
             </a:r>
           </a:p>
           <a:p>
             <a:pPr lvl="3"/>
             <a:r>
-              <a:rPr lang="en-US" smtClean="0"/>
+              <a:rPr lang="en-US" altLang="zh-TW" smtClean="0"/>
               <a:t>Fourth level</a:t>
             </a:r>
           </a:p>
           <a:p>
             <a:pPr lvl="4"/>
             <a:r>
-              <a:rPr lang="en-US" smtClean="0"/>
+              <a:rPr lang="en-US" altLang="zh-TW" smtClean="0"/>
               <a:t>Fifth level</a:t>
             </a:r>
-            <a:endParaRPr lang="en-US"/>
-          </a:p>
-        </p:txBody>
-      </p:sp>
-      <p:sp>
-        <p:nvSpPr>
-          <p:cNvPr id="5" name="Text Placeholder 4"/>
+            <a:endParaRPr lang="zh-TW" altLang="en-US"/>
+          </a:p>
+        </p:txBody>
+      </p:sp>
+      <p:sp>
+        <p:nvSpPr>
+          <p:cNvPr id="5" name="文字版面配置區 4"/>
           <p:cNvSpPr>
             <a:spLocks noGrp="1"/>
           </p:cNvSpPr>
@@ -1609,8 +1625,8 @@
         </p:nvSpPr>
         <p:spPr>
           <a:xfrm>
-            <a:off x="4645025" y="1535113"/>
-            <a:ext cx="4041775" cy="639762"/>
+            <a:off x="6193369" y="1535113"/>
+            <a:ext cx="5389033" cy="639763"/>
           </a:xfrm>
         </p:spPr>
         <p:txBody>
@@ -1618,53 +1634,53 @@
           <a:lstStyle>
             <a:lvl1pPr marL="0" indent="0">
               <a:buNone/>
+              <a:defRPr sz="3200" b="1"/>
+            </a:lvl1pPr>
+            <a:lvl2pPr marL="609585" indent="0">
+              <a:buNone/>
+              <a:defRPr sz="2667" b="1"/>
+            </a:lvl2pPr>
+            <a:lvl3pPr marL="1219170" indent="0">
+              <a:buNone/>
               <a:defRPr sz="2400" b="1"/>
-            </a:lvl1pPr>
-            <a:lvl2pPr marL="457200" indent="0">
-              <a:buNone/>
-              <a:defRPr sz="2000" b="1"/>
-            </a:lvl2pPr>
-            <a:lvl3pPr marL="914400" indent="0">
-              <a:buNone/>
-              <a:defRPr sz="1800" b="1"/>
             </a:lvl3pPr>
-            <a:lvl4pPr marL="1371600" indent="0">
-              <a:buNone/>
-              <a:defRPr sz="1600" b="1"/>
+            <a:lvl4pPr marL="1828754" indent="0">
+              <a:buNone/>
+              <a:defRPr sz="2133" b="1"/>
             </a:lvl4pPr>
-            <a:lvl5pPr marL="1828800" indent="0">
-              <a:buNone/>
-              <a:defRPr sz="1600" b="1"/>
+            <a:lvl5pPr marL="2438339" indent="0">
+              <a:buNone/>
+              <a:defRPr sz="2133" b="1"/>
             </a:lvl5pPr>
-            <a:lvl6pPr marL="2286000" indent="0">
-              <a:buNone/>
-              <a:defRPr sz="1600" b="1"/>
+            <a:lvl6pPr marL="3047924" indent="0">
+              <a:buNone/>
+              <a:defRPr sz="2133" b="1"/>
             </a:lvl6pPr>
-            <a:lvl7pPr marL="2743200" indent="0">
-              <a:buNone/>
-              <a:defRPr sz="1600" b="1"/>
+            <a:lvl7pPr marL="3657509" indent="0">
+              <a:buNone/>
+              <a:defRPr sz="2133" b="1"/>
             </a:lvl7pPr>
-            <a:lvl8pPr marL="3200400" indent="0">
-              <a:buNone/>
-              <a:defRPr sz="1600" b="1"/>
+            <a:lvl8pPr marL="4267093" indent="0">
+              <a:buNone/>
+              <a:defRPr sz="2133" b="1"/>
             </a:lvl8pPr>
-            <a:lvl9pPr marL="3657600" indent="0">
-              <a:buNone/>
-              <a:defRPr sz="1600" b="1"/>
+            <a:lvl9pPr marL="4876678" indent="0">
+              <a:buNone/>
+              <a:defRPr sz="2133" b="1"/>
             </a:lvl9pPr>
           </a:lstStyle>
           <a:p>
             <a:pPr lvl="0"/>
             <a:r>
-              <a:rPr lang="en-US" smtClean="0"/>
-              <a:t>Click to edit Master text styles</a:t>
-            </a:r>
-          </a:p>
-        </p:txBody>
-      </p:sp>
-      <p:sp>
-        <p:nvSpPr>
-          <p:cNvPr id="6" name="Content Placeholder 5"/>
+              <a:rPr lang="en-US" altLang="zh-TW" smtClean="0"/>
+              <a:t>Edit Master text styles</a:t>
+            </a:r>
+          </a:p>
+        </p:txBody>
+      </p:sp>
+      <p:sp>
+        <p:nvSpPr>
+          <p:cNvPr id="6" name="內容版面配置區 5"/>
           <p:cNvSpPr>
             <a:spLocks noGrp="1"/>
           </p:cNvSpPr>
@@ -1674,82 +1690,82 @@
         </p:nvSpPr>
         <p:spPr>
           <a:xfrm>
-            <a:off x="4645025" y="2174875"/>
-            <a:ext cx="4041775" cy="3951288"/>
+            <a:off x="6193369" y="2174875"/>
+            <a:ext cx="5389033" cy="3951288"/>
           </a:xfrm>
         </p:spPr>
         <p:txBody>
           <a:bodyPr/>
           <a:lstStyle>
             <a:lvl1pPr>
-              <a:defRPr sz="2400"/>
+              <a:defRPr sz="3200"/>
             </a:lvl1pPr>
             <a:lvl2pPr>
-              <a:defRPr sz="2000"/>
+              <a:defRPr sz="2667"/>
             </a:lvl2pPr>
             <a:lvl3pPr>
-              <a:defRPr sz="1800"/>
+              <a:defRPr sz="2400"/>
             </a:lvl3pPr>
             <a:lvl4pPr>
-              <a:defRPr sz="1600"/>
+              <a:defRPr sz="2133"/>
             </a:lvl4pPr>
             <a:lvl5pPr>
-              <a:defRPr sz="1600"/>
+              <a:defRPr sz="2133"/>
             </a:lvl5pPr>
             <a:lvl6pPr>
-              <a:defRPr sz="1600"/>
+              <a:defRPr sz="2133"/>
             </a:lvl6pPr>
             <a:lvl7pPr>
-              <a:defRPr sz="1600"/>
+              <a:defRPr sz="2133"/>
             </a:lvl7pPr>
             <a:lvl8pPr>
-              <a:defRPr sz="1600"/>
+              <a:defRPr sz="2133"/>
             </a:lvl8pPr>
             <a:lvl9pPr>
-              <a:defRPr sz="1600"/>
+              <a:defRPr sz="2133"/>
             </a:lvl9pPr>
           </a:lstStyle>
           <a:p>
             <a:pPr lvl="0"/>
             <a:r>
-              <a:rPr lang="en-US" smtClean="0"/>
-              <a:t>Click to edit Master text styles</a:t>
+              <a:rPr lang="en-US" altLang="zh-TW" smtClean="0"/>
+              <a:t>Edit Master text styles</a:t>
             </a:r>
           </a:p>
           <a:p>
             <a:pPr lvl="1"/>
             <a:r>
-              <a:rPr lang="en-US" smtClean="0"/>
+              <a:rPr lang="en-US" altLang="zh-TW" smtClean="0"/>
               <a:t>Second level</a:t>
             </a:r>
           </a:p>
           <a:p>
             <a:pPr lvl="2"/>
             <a:r>
-              <a:rPr lang="en-US" smtClean="0"/>
+              <a:rPr lang="en-US" altLang="zh-TW" smtClean="0"/>
               <a:t>Third level</a:t>
             </a:r>
           </a:p>
           <a:p>
             <a:pPr lvl="3"/>
             <a:r>
-              <a:rPr lang="en-US" smtClean="0"/>
+              <a:rPr lang="en-US" altLang="zh-TW" smtClean="0"/>
               <a:t>Fourth level</a:t>
             </a:r>
           </a:p>
           <a:p>
             <a:pPr lvl="4"/>
             <a:r>
-              <a:rPr lang="en-US" smtClean="0"/>
+              <a:rPr lang="en-US" altLang="zh-TW" smtClean="0"/>
               <a:t>Fifth level</a:t>
             </a:r>
-            <a:endParaRPr lang="en-US"/>
-          </a:p>
-        </p:txBody>
-      </p:sp>
-      <p:sp>
-        <p:nvSpPr>
-          <p:cNvPr id="7" name="Date Placeholder 6"/>
+            <a:endParaRPr lang="zh-TW" altLang="en-US"/>
+          </a:p>
+        </p:txBody>
+      </p:sp>
+      <p:sp>
+        <p:nvSpPr>
+          <p:cNvPr id="7" name="日期版面配置區 6"/>
           <p:cNvSpPr>
             <a:spLocks noGrp="1"/>
           </p:cNvSpPr>
@@ -1764,7 +1780,7 @@
           <a:p>
             <a:fld id="{968E7122-F244-4236-92F7-220806544606}" type="datetimeFigureOut">
               <a:rPr lang="en-US" smtClean="0"/>
-              <a:t>4/16/2019</a:t>
+              <a:t>4/7/2020</a:t>
             </a:fld>
             <a:endParaRPr lang="en-US"/>
           </a:p>
@@ -1772,7 +1788,7 @@
       </p:sp>
       <p:sp>
         <p:nvSpPr>
-          <p:cNvPr id="8" name="Footer Placeholder 7"/>
+          <p:cNvPr id="8" name="頁尾版面配置區 7"/>
           <p:cNvSpPr>
             <a:spLocks noGrp="1"/>
           </p:cNvSpPr>
@@ -1791,7 +1807,7 @@
       </p:sp>
       <p:sp>
         <p:nvSpPr>
-          <p:cNvPr id="9" name="Slide Number Placeholder 8"/>
+          <p:cNvPr id="9" name="投影片編號版面配置區 8"/>
           <p:cNvSpPr>
             <a:spLocks noGrp="1"/>
           </p:cNvSpPr>
@@ -1815,7 +1831,7 @@
     </p:spTree>
     <p:extLst>
       <p:ext uri="{BB962C8B-B14F-4D97-AF65-F5344CB8AC3E}">
-        <p14:creationId xmlns:p14="http://schemas.microsoft.com/office/powerpoint/2010/main" val="3344875773"/>
+        <p14:creationId xmlns:p14="http://schemas.microsoft.com/office/powerpoint/2010/main" val="521098411"/>
       </p:ext>
     </p:extLst>
   </p:cSld>
@@ -1827,7 +1843,7 @@
 
 <file path=ppt/slideLayouts/slideLayout6.xml><?xml version="1.0" encoding="utf-8"?>
 <p:sldLayout xmlns:a="http://schemas.openxmlformats.org/drawingml/2006/main" xmlns:r="http://schemas.openxmlformats.org/officeDocument/2006/relationships" xmlns:p="http://schemas.openxmlformats.org/presentationml/2006/main" type="titleOnly" preserve="1">
-  <p:cSld name="Title Only">
+  <p:cSld name="只有標題">
     <p:spTree>
       <p:nvGrpSpPr>
         <p:cNvPr id="1" name=""/>
@@ -1844,7 +1860,7 @@
       </p:grpSpPr>
       <p:sp>
         <p:nvSpPr>
-          <p:cNvPr id="2" name="Title 1"/>
+          <p:cNvPr id="2" name="標題 1"/>
           <p:cNvSpPr>
             <a:spLocks noGrp="1"/>
           </p:cNvSpPr>
@@ -1858,16 +1874,16 @@
           <a:lstStyle/>
           <a:p>
             <a:r>
-              <a:rPr lang="en-US" smtClean="0"/>
+              <a:rPr lang="en-US" altLang="zh-TW" smtClean="0"/>
               <a:t>Click to edit Master title style</a:t>
             </a:r>
-            <a:endParaRPr lang="en-US"/>
-          </a:p>
-        </p:txBody>
-      </p:sp>
-      <p:sp>
-        <p:nvSpPr>
-          <p:cNvPr id="3" name="Date Placeholder 2"/>
+            <a:endParaRPr lang="zh-TW" altLang="en-US"/>
+          </a:p>
+        </p:txBody>
+      </p:sp>
+      <p:sp>
+        <p:nvSpPr>
+          <p:cNvPr id="3" name="日期版面配置區 2"/>
           <p:cNvSpPr>
             <a:spLocks noGrp="1"/>
           </p:cNvSpPr>
@@ -1882,7 +1898,7 @@
           <a:p>
             <a:fld id="{968E7122-F244-4236-92F7-220806544606}" type="datetimeFigureOut">
               <a:rPr lang="en-US" smtClean="0"/>
-              <a:t>4/16/2019</a:t>
+              <a:t>4/7/2020</a:t>
             </a:fld>
             <a:endParaRPr lang="en-US"/>
           </a:p>
@@ -1890,7 +1906,7 @@
       </p:sp>
       <p:sp>
         <p:nvSpPr>
-          <p:cNvPr id="4" name="Footer Placeholder 3"/>
+          <p:cNvPr id="4" name="頁尾版面配置區 3"/>
           <p:cNvSpPr>
             <a:spLocks noGrp="1"/>
           </p:cNvSpPr>
@@ -1909,7 +1925,7 @@
       </p:sp>
       <p:sp>
         <p:nvSpPr>
-          <p:cNvPr id="5" name="Slide Number Placeholder 4"/>
+          <p:cNvPr id="5" name="投影片編號版面配置區 4"/>
           <p:cNvSpPr>
             <a:spLocks noGrp="1"/>
           </p:cNvSpPr>
@@ -1933,7 +1949,7 @@
     </p:spTree>
     <p:extLst>
       <p:ext uri="{BB962C8B-B14F-4D97-AF65-F5344CB8AC3E}">
-        <p14:creationId xmlns:p14="http://schemas.microsoft.com/office/powerpoint/2010/main" val="42266262"/>
+        <p14:creationId xmlns:p14="http://schemas.microsoft.com/office/powerpoint/2010/main" val="1023650104"/>
       </p:ext>
     </p:extLst>
   </p:cSld>
@@ -1945,7 +1961,7 @@
 
 <file path=ppt/slideLayouts/slideLayout7.xml><?xml version="1.0" encoding="utf-8"?>
 <p:sldLayout xmlns:a="http://schemas.openxmlformats.org/drawingml/2006/main" xmlns:r="http://schemas.openxmlformats.org/officeDocument/2006/relationships" xmlns:p="http://schemas.openxmlformats.org/presentationml/2006/main" type="blank" preserve="1">
-  <p:cSld name="Blank">
+  <p:cSld name="空白">
     <p:spTree>
       <p:nvGrpSpPr>
         <p:cNvPr id="1" name=""/>
@@ -1962,7 +1978,7 @@
       </p:grpSpPr>
       <p:sp>
         <p:nvSpPr>
-          <p:cNvPr id="2" name="Date Placeholder 1"/>
+          <p:cNvPr id="2" name="日期版面配置區 1"/>
           <p:cNvSpPr>
             <a:spLocks noGrp="1"/>
           </p:cNvSpPr>
@@ -1977,7 +1993,7 @@
           <a:p>
             <a:fld id="{968E7122-F244-4236-92F7-220806544606}" type="datetimeFigureOut">
               <a:rPr lang="en-US" smtClean="0"/>
-              <a:t>4/16/2019</a:t>
+              <a:t>4/7/2020</a:t>
             </a:fld>
             <a:endParaRPr lang="en-US"/>
           </a:p>
@@ -1985,7 +2001,7 @@
       </p:sp>
       <p:sp>
         <p:nvSpPr>
-          <p:cNvPr id="3" name="Footer Placeholder 2"/>
+          <p:cNvPr id="3" name="頁尾版面配置區 2"/>
           <p:cNvSpPr>
             <a:spLocks noGrp="1"/>
           </p:cNvSpPr>
@@ -2004,7 +2020,7 @@
       </p:sp>
       <p:sp>
         <p:nvSpPr>
-          <p:cNvPr id="4" name="Slide Number Placeholder 3"/>
+          <p:cNvPr id="4" name="投影片編號版面配置區 3"/>
           <p:cNvSpPr>
             <a:spLocks noGrp="1"/>
           </p:cNvSpPr>
@@ -2028,7 +2044,7 @@
     </p:spTree>
     <p:extLst>
       <p:ext uri="{BB962C8B-B14F-4D97-AF65-F5344CB8AC3E}">
-        <p14:creationId xmlns:p14="http://schemas.microsoft.com/office/powerpoint/2010/main" val="3003126772"/>
+        <p14:creationId xmlns:p14="http://schemas.microsoft.com/office/powerpoint/2010/main" val="3523442824"/>
       </p:ext>
     </p:extLst>
   </p:cSld>
@@ -2040,7 +2056,7 @@
 
 <file path=ppt/slideLayouts/slideLayout8.xml><?xml version="1.0" encoding="utf-8"?>
 <p:sldLayout xmlns:a="http://schemas.openxmlformats.org/drawingml/2006/main" xmlns:r="http://schemas.openxmlformats.org/officeDocument/2006/relationships" xmlns:p="http://schemas.openxmlformats.org/presentationml/2006/main" type="objTx" preserve="1">
-  <p:cSld name="Content with Caption">
+  <p:cSld name="含標題的內容">
     <p:spTree>
       <p:nvGrpSpPr>
         <p:cNvPr id="1" name=""/>
@@ -2057,7 +2073,7 @@
       </p:grpSpPr>
       <p:sp>
         <p:nvSpPr>
-          <p:cNvPr id="2" name="Title 1"/>
+          <p:cNvPr id="2" name="標題 1"/>
           <p:cNvSpPr>
             <a:spLocks noGrp="1"/>
           </p:cNvSpPr>
@@ -2067,29 +2083,29 @@
         </p:nvSpPr>
         <p:spPr>
           <a:xfrm>
-            <a:off x="457200" y="273050"/>
-            <a:ext cx="3008313" cy="1162050"/>
+            <a:off x="609602" y="273049"/>
+            <a:ext cx="4011084" cy="1162051"/>
           </a:xfrm>
         </p:spPr>
         <p:txBody>
           <a:bodyPr anchor="b"/>
           <a:lstStyle>
             <a:lvl1pPr algn="l">
-              <a:defRPr sz="2000" b="1"/>
+              <a:defRPr sz="2667" b="1"/>
             </a:lvl1pPr>
           </a:lstStyle>
           <a:p>
             <a:r>
-              <a:rPr lang="en-US" smtClean="0"/>
+              <a:rPr lang="en-US" altLang="zh-TW" smtClean="0"/>
               <a:t>Click to edit Master title style</a:t>
             </a:r>
-            <a:endParaRPr lang="en-US"/>
-          </a:p>
-        </p:txBody>
-      </p:sp>
-      <p:sp>
-        <p:nvSpPr>
-          <p:cNvPr id="3" name="Content Placeholder 2"/>
+            <a:endParaRPr lang="zh-TW" altLang="en-US"/>
+          </a:p>
+        </p:txBody>
+      </p:sp>
+      <p:sp>
+        <p:nvSpPr>
+          <p:cNvPr id="3" name="內容版面配置區 2"/>
           <p:cNvSpPr>
             <a:spLocks noGrp="1"/>
           </p:cNvSpPr>
@@ -2099,82 +2115,82 @@
         </p:nvSpPr>
         <p:spPr>
           <a:xfrm>
-            <a:off x="3575050" y="273050"/>
-            <a:ext cx="5111750" cy="5853113"/>
+            <a:off x="4766733" y="273052"/>
+            <a:ext cx="6815667" cy="5853113"/>
           </a:xfrm>
         </p:spPr>
         <p:txBody>
           <a:bodyPr/>
           <a:lstStyle>
             <a:lvl1pPr>
-              <a:defRPr sz="3200"/>
+              <a:defRPr sz="4267"/>
             </a:lvl1pPr>
             <a:lvl2pPr>
-              <a:defRPr sz="2800"/>
+              <a:defRPr sz="3733"/>
             </a:lvl2pPr>
             <a:lvl3pPr>
-              <a:defRPr sz="2400"/>
+              <a:defRPr sz="3200"/>
             </a:lvl3pPr>
             <a:lvl4pPr>
-              <a:defRPr sz="2000"/>
+              <a:defRPr sz="2667"/>
             </a:lvl4pPr>
             <a:lvl5pPr>
-              <a:defRPr sz="2000"/>
+              <a:defRPr sz="2667"/>
             </a:lvl5pPr>
             <a:lvl6pPr>
-              <a:defRPr sz="2000"/>
+              <a:defRPr sz="2667"/>
             </a:lvl6pPr>
             <a:lvl7pPr>
-              <a:defRPr sz="2000"/>
+              <a:defRPr sz="2667"/>
             </a:lvl7pPr>
             <a:lvl8pPr>
-              <a:defRPr sz="2000"/>
+              <a:defRPr sz="2667"/>
             </a:lvl8pPr>
             <a:lvl9pPr>
-              <a:defRPr sz="2000"/>
+              <a:defRPr sz="2667"/>
             </a:lvl9pPr>
           </a:lstStyle>
           <a:p>
             <a:pPr lvl="0"/>
             <a:r>
-              <a:rPr lang="en-US" smtClean="0"/>
-              <a:t>Click to edit Master text styles</a:t>
+              <a:rPr lang="en-US" altLang="zh-TW" smtClean="0"/>
+              <a:t>Edit Master text styles</a:t>
             </a:r>
           </a:p>
           <a:p>
             <a:pPr lvl="1"/>
             <a:r>
-              <a:rPr lang="en-US" smtClean="0"/>
+              <a:rPr lang="en-US" altLang="zh-TW" smtClean="0"/>
               <a:t>Second level</a:t>
             </a:r>
           </a:p>
           <a:p>
             <a:pPr lvl="2"/>
             <a:r>
-              <a:rPr lang="en-US" smtClean="0"/>
+              <a:rPr lang="en-US" altLang="zh-TW" smtClean="0"/>
               <a:t>Third level</a:t>
             </a:r>
           </a:p>
           <a:p>
             <a:pPr lvl="3"/>
             <a:r>
-              <a:rPr lang="en-US" smtClean="0"/>
+              <a:rPr lang="en-US" altLang="zh-TW" smtClean="0"/>
               <a:t>Fourth level</a:t>
             </a:r>
           </a:p>
           <a:p>
             <a:pPr lvl="4"/>
             <a:r>
-              <a:rPr lang="en-US" smtClean="0"/>
+              <a:rPr lang="en-US" altLang="zh-TW" smtClean="0"/>
               <a:t>Fifth level</a:t>
             </a:r>
-            <a:endParaRPr lang="en-US"/>
-          </a:p>
-        </p:txBody>
-      </p:sp>
-      <p:sp>
-        <p:nvSpPr>
-          <p:cNvPr id="4" name="Text Placeholder 3"/>
+            <a:endParaRPr lang="zh-TW" altLang="en-US"/>
+          </a:p>
+        </p:txBody>
+      </p:sp>
+      <p:sp>
+        <p:nvSpPr>
+          <p:cNvPr id="4" name="文字版面配置區 3"/>
           <p:cNvSpPr>
             <a:spLocks noGrp="1"/>
           </p:cNvSpPr>
@@ -2184,8 +2200,8 @@
         </p:nvSpPr>
         <p:spPr>
           <a:xfrm>
-            <a:off x="457200" y="1435100"/>
-            <a:ext cx="3008313" cy="4691063"/>
+            <a:off x="609602" y="1435102"/>
+            <a:ext cx="4011084" cy="4691063"/>
           </a:xfrm>
         </p:spPr>
         <p:txBody>
@@ -2193,53 +2209,53 @@
           <a:lstStyle>
             <a:lvl1pPr marL="0" indent="0">
               <a:buNone/>
-              <a:defRPr sz="1400"/>
+              <a:defRPr sz="1867"/>
             </a:lvl1pPr>
-            <a:lvl2pPr marL="457200" indent="0">
+            <a:lvl2pPr marL="609585" indent="0">
+              <a:buNone/>
+              <a:defRPr sz="1600"/>
+            </a:lvl2pPr>
+            <a:lvl3pPr marL="1219170" indent="0">
+              <a:buNone/>
+              <a:defRPr sz="1333"/>
+            </a:lvl3pPr>
+            <a:lvl4pPr marL="1828754" indent="0">
               <a:buNone/>
               <a:defRPr sz="1200"/>
-            </a:lvl2pPr>
-            <a:lvl3pPr marL="914400" indent="0">
-              <a:buNone/>
-              <a:defRPr sz="1000"/>
-            </a:lvl3pPr>
-            <a:lvl4pPr marL="1371600" indent="0">
-              <a:buNone/>
-              <a:defRPr sz="900"/>
             </a:lvl4pPr>
-            <a:lvl5pPr marL="1828800" indent="0">
-              <a:buNone/>
-              <a:defRPr sz="900"/>
+            <a:lvl5pPr marL="2438339" indent="0">
+              <a:buNone/>
+              <a:defRPr sz="1200"/>
             </a:lvl5pPr>
-            <a:lvl6pPr marL="2286000" indent="0">
-              <a:buNone/>
-              <a:defRPr sz="900"/>
+            <a:lvl6pPr marL="3047924" indent="0">
+              <a:buNone/>
+              <a:defRPr sz="1200"/>
             </a:lvl6pPr>
-            <a:lvl7pPr marL="2743200" indent="0">
-              <a:buNone/>
-              <a:defRPr sz="900"/>
+            <a:lvl7pPr marL="3657509" indent="0">
+              <a:buNone/>
+              <a:defRPr sz="1200"/>
             </a:lvl7pPr>
-            <a:lvl8pPr marL="3200400" indent="0">
-              <a:buNone/>
-              <a:defRPr sz="900"/>
+            <a:lvl8pPr marL="4267093" indent="0">
+              <a:buNone/>
+              <a:defRPr sz="1200"/>
             </a:lvl8pPr>
-            <a:lvl9pPr marL="3657600" indent="0">
-              <a:buNone/>
-              <a:defRPr sz="900"/>
+            <a:lvl9pPr marL="4876678" indent="0">
+              <a:buNone/>
+              <a:defRPr sz="1200"/>
             </a:lvl9pPr>
           </a:lstStyle>
           <a:p>
             <a:pPr lvl="0"/>
             <a:r>
-              <a:rPr lang="en-US" smtClean="0"/>
-              <a:t>Click to edit Master text styles</a:t>
-            </a:r>
-          </a:p>
-        </p:txBody>
-      </p:sp>
-      <p:sp>
-        <p:nvSpPr>
-          <p:cNvPr id="5" name="Date Placeholder 4"/>
+              <a:rPr lang="en-US" altLang="zh-TW" smtClean="0"/>
+              <a:t>Edit Master text styles</a:t>
+            </a:r>
+          </a:p>
+        </p:txBody>
+      </p:sp>
+      <p:sp>
+        <p:nvSpPr>
+          <p:cNvPr id="5" name="日期版面配置區 4"/>
           <p:cNvSpPr>
             <a:spLocks noGrp="1"/>
           </p:cNvSpPr>
@@ -2254,7 +2270,7 @@
           <a:p>
             <a:fld id="{968E7122-F244-4236-92F7-220806544606}" type="datetimeFigureOut">
               <a:rPr lang="en-US" smtClean="0"/>
-              <a:t>4/16/2019</a:t>
+              <a:t>4/7/2020</a:t>
             </a:fld>
             <a:endParaRPr lang="en-US"/>
           </a:p>
@@ -2262,7 +2278,7 @@
       </p:sp>
       <p:sp>
         <p:nvSpPr>
-          <p:cNvPr id="6" name="Footer Placeholder 5"/>
+          <p:cNvPr id="6" name="頁尾版面配置區 5"/>
           <p:cNvSpPr>
             <a:spLocks noGrp="1"/>
           </p:cNvSpPr>
@@ -2281,7 +2297,7 @@
       </p:sp>
       <p:sp>
         <p:nvSpPr>
-          <p:cNvPr id="7" name="Slide Number Placeholder 6"/>
+          <p:cNvPr id="7" name="投影片編號版面配置區 6"/>
           <p:cNvSpPr>
             <a:spLocks noGrp="1"/>
           </p:cNvSpPr>
@@ -2305,7 +2321,7 @@
     </p:spTree>
     <p:extLst>
       <p:ext uri="{BB962C8B-B14F-4D97-AF65-F5344CB8AC3E}">
-        <p14:creationId xmlns:p14="http://schemas.microsoft.com/office/powerpoint/2010/main" val="2178282877"/>
+        <p14:creationId xmlns:p14="http://schemas.microsoft.com/office/powerpoint/2010/main" val="3333506618"/>
       </p:ext>
     </p:extLst>
   </p:cSld>
@@ -2317,7 +2333,7 @@
 
 <file path=ppt/slideLayouts/slideLayout9.xml><?xml version="1.0" encoding="utf-8"?>
 <p:sldLayout xmlns:a="http://schemas.openxmlformats.org/drawingml/2006/main" xmlns:r="http://schemas.openxmlformats.org/officeDocument/2006/relationships" xmlns:p="http://schemas.openxmlformats.org/presentationml/2006/main" type="picTx" preserve="1">
-  <p:cSld name="Picture with Caption">
+  <p:cSld name="含標題的圖片">
     <p:spTree>
       <p:nvGrpSpPr>
         <p:cNvPr id="1" name=""/>
@@ -2334,7 +2350,7 @@
       </p:grpSpPr>
       <p:sp>
         <p:nvSpPr>
-          <p:cNvPr id="2" name="Title 1"/>
+          <p:cNvPr id="2" name="標題 1"/>
           <p:cNvSpPr>
             <a:spLocks noGrp="1"/>
           </p:cNvSpPr>
@@ -2344,29 +2360,29 @@
         </p:nvSpPr>
         <p:spPr>
           <a:xfrm>
-            <a:off x="1792288" y="4800600"/>
-            <a:ext cx="5486400" cy="566738"/>
+            <a:off x="2389717" y="4800600"/>
+            <a:ext cx="7315200" cy="566739"/>
           </a:xfrm>
         </p:spPr>
         <p:txBody>
           <a:bodyPr anchor="b"/>
           <a:lstStyle>
             <a:lvl1pPr algn="l">
-              <a:defRPr sz="2000" b="1"/>
+              <a:defRPr sz="2667" b="1"/>
             </a:lvl1pPr>
           </a:lstStyle>
           <a:p>
             <a:r>
-              <a:rPr lang="en-US" smtClean="0"/>
+              <a:rPr lang="en-US" altLang="zh-TW" smtClean="0"/>
               <a:t>Click to edit Master title style</a:t>
             </a:r>
-            <a:endParaRPr lang="en-US"/>
-          </a:p>
-        </p:txBody>
-      </p:sp>
-      <p:sp>
-        <p:nvSpPr>
-          <p:cNvPr id="3" name="Picture Placeholder 2"/>
+            <a:endParaRPr lang="zh-TW" altLang="en-US"/>
+          </a:p>
+        </p:txBody>
+      </p:sp>
+      <p:sp>
+        <p:nvSpPr>
+          <p:cNvPr id="3" name="圖片版面配置區 2"/>
           <p:cNvSpPr>
             <a:spLocks noGrp="1"/>
           </p:cNvSpPr>
@@ -2376,8 +2392,8 @@
         </p:nvSpPr>
         <p:spPr>
           <a:xfrm>
-            <a:off x="1792288" y="612775"/>
-            <a:ext cx="5486400" cy="4114800"/>
+            <a:off x="2389717" y="612775"/>
+            <a:ext cx="7315200" cy="4114800"/>
           </a:xfrm>
         </p:spPr>
         <p:txBody>
@@ -2385,49 +2401,53 @@
           <a:lstStyle>
             <a:lvl1pPr marL="0" indent="0">
               <a:buNone/>
+              <a:defRPr sz="4267"/>
+            </a:lvl1pPr>
+            <a:lvl2pPr marL="609585" indent="0">
+              <a:buNone/>
+              <a:defRPr sz="3733"/>
+            </a:lvl2pPr>
+            <a:lvl3pPr marL="1219170" indent="0">
+              <a:buNone/>
               <a:defRPr sz="3200"/>
-            </a:lvl1pPr>
-            <a:lvl2pPr marL="457200" indent="0">
-              <a:buNone/>
-              <a:defRPr sz="2800"/>
-            </a:lvl2pPr>
-            <a:lvl3pPr marL="914400" indent="0">
-              <a:buNone/>
-              <a:defRPr sz="2400"/>
             </a:lvl3pPr>
-            <a:lvl4pPr marL="1371600" indent="0">
-              <a:buNone/>
-              <a:defRPr sz="2000"/>
+            <a:lvl4pPr marL="1828754" indent="0">
+              <a:buNone/>
+              <a:defRPr sz="2667"/>
             </a:lvl4pPr>
-            <a:lvl5pPr marL="1828800" indent="0">
-              <a:buNone/>
-              <a:defRPr sz="2000"/>
+            <a:lvl5pPr marL="2438339" indent="0">
+              <a:buNone/>
+              <a:defRPr sz="2667"/>
             </a:lvl5pPr>
-            <a:lvl6pPr marL="2286000" indent="0">
-              <a:buNone/>
-              <a:defRPr sz="2000"/>
+            <a:lvl6pPr marL="3047924" indent="0">
+              <a:buNone/>
+              <a:defRPr sz="2667"/>
             </a:lvl6pPr>
-            <a:lvl7pPr marL="2743200" indent="0">
-              <a:buNone/>
-              <a:defRPr sz="2000"/>
+            <a:lvl7pPr marL="3657509" indent="0">
+              <a:buNone/>
+              <a:defRPr sz="2667"/>
             </a:lvl7pPr>
-            <a:lvl8pPr marL="3200400" indent="0">
-              <a:buNone/>
-              <a:defRPr sz="2000"/>
+            <a:lvl8pPr marL="4267093" indent="0">
+              <a:buNone/>
+              <a:defRPr sz="2667"/>
             </a:lvl8pPr>
-            <a:lvl9pPr marL="3657600" indent="0">
-              <a:buNone/>
-              <a:defRPr sz="2000"/>
+            <a:lvl9pPr marL="4876678" indent="0">
+              <a:buNone/>
+              <a:defRPr sz="2667"/>
             </a:lvl9pPr>
           </a:lstStyle>
           <a:p>
-            <a:endParaRPr lang="en-US"/>
-          </a:p>
-        </p:txBody>
-      </p:sp>
-      <p:sp>
-        <p:nvSpPr>
-          <p:cNvPr id="4" name="Text Placeholder 3"/>
+            <a:r>
+              <a:rPr lang="en-US" altLang="zh-TW" smtClean="0"/>
+              <a:t>Click icon to add picture</a:t>
+            </a:r>
+            <a:endParaRPr lang="zh-TW" altLang="en-US"/>
+          </a:p>
+        </p:txBody>
+      </p:sp>
+      <p:sp>
+        <p:nvSpPr>
+          <p:cNvPr id="4" name="文字版面配置區 3"/>
           <p:cNvSpPr>
             <a:spLocks noGrp="1"/>
           </p:cNvSpPr>
@@ -2437,8 +2457,8 @@
         </p:nvSpPr>
         <p:spPr>
           <a:xfrm>
-            <a:off x="1792288" y="5367338"/>
-            <a:ext cx="5486400" cy="804862"/>
+            <a:off x="2389717" y="5367338"/>
+            <a:ext cx="7315200" cy="804863"/>
           </a:xfrm>
         </p:spPr>
         <p:txBody>
@@ -2446,53 +2466,53 @@
           <a:lstStyle>
             <a:lvl1pPr marL="0" indent="0">
               <a:buNone/>
-              <a:defRPr sz="1400"/>
+              <a:defRPr sz="1867"/>
             </a:lvl1pPr>
-            <a:lvl2pPr marL="457200" indent="0">
+            <a:lvl2pPr marL="609585" indent="0">
+              <a:buNone/>
+              <a:defRPr sz="1600"/>
+            </a:lvl2pPr>
+            <a:lvl3pPr marL="1219170" indent="0">
+              <a:buNone/>
+              <a:defRPr sz="1333"/>
+            </a:lvl3pPr>
+            <a:lvl4pPr marL="1828754" indent="0">
               <a:buNone/>
               <a:defRPr sz="1200"/>
-            </a:lvl2pPr>
-            <a:lvl3pPr marL="914400" indent="0">
-              <a:buNone/>
-              <a:defRPr sz="1000"/>
-            </a:lvl3pPr>
-            <a:lvl4pPr marL="1371600" indent="0">
-              <a:buNone/>
-              <a:defRPr sz="900"/>
             </a:lvl4pPr>
-            <a:lvl5pPr marL="1828800" indent="0">
-              <a:buNone/>
-              <a:defRPr sz="900"/>
+            <a:lvl5pPr marL="2438339" indent="0">
+              <a:buNone/>
+              <a:defRPr sz="1200"/>
             </a:lvl5pPr>
-            <a:lvl6pPr marL="2286000" indent="0">
-              <a:buNone/>
-              <a:defRPr sz="900"/>
+            <a:lvl6pPr marL="3047924" indent="0">
+              <a:buNone/>
+              <a:defRPr sz="1200"/>
             </a:lvl6pPr>
-            <a:lvl7pPr marL="2743200" indent="0">
-              <a:buNone/>
-              <a:defRPr sz="900"/>
+            <a:lvl7pPr marL="3657509" indent="0">
+              <a:buNone/>
+              <a:defRPr sz="1200"/>
             </a:lvl7pPr>
-            <a:lvl8pPr marL="3200400" indent="0">
-              <a:buNone/>
-              <a:defRPr sz="900"/>
+            <a:lvl8pPr marL="4267093" indent="0">
+              <a:buNone/>
+              <a:defRPr sz="1200"/>
             </a:lvl8pPr>
-            <a:lvl9pPr marL="3657600" indent="0">
-              <a:buNone/>
-              <a:defRPr sz="900"/>
+            <a:lvl9pPr marL="4876678" indent="0">
+              <a:buNone/>
+              <a:defRPr sz="1200"/>
             </a:lvl9pPr>
           </a:lstStyle>
           <a:p>
             <a:pPr lvl="0"/>
             <a:r>
-              <a:rPr lang="en-US" smtClean="0"/>
-              <a:t>Click to edit Master text styles</a:t>
-            </a:r>
-          </a:p>
-        </p:txBody>
-      </p:sp>
-      <p:sp>
-        <p:nvSpPr>
-          <p:cNvPr id="5" name="Date Placeholder 4"/>
+              <a:rPr lang="en-US" altLang="zh-TW" smtClean="0"/>
+              <a:t>Edit Master text styles</a:t>
+            </a:r>
+          </a:p>
+        </p:txBody>
+      </p:sp>
+      <p:sp>
+        <p:nvSpPr>
+          <p:cNvPr id="5" name="日期版面配置區 4"/>
           <p:cNvSpPr>
             <a:spLocks noGrp="1"/>
           </p:cNvSpPr>
@@ -2507,7 +2527,7 @@
           <a:p>
             <a:fld id="{968E7122-F244-4236-92F7-220806544606}" type="datetimeFigureOut">
               <a:rPr lang="en-US" smtClean="0"/>
-              <a:t>4/16/2019</a:t>
+              <a:t>4/7/2020</a:t>
             </a:fld>
             <a:endParaRPr lang="en-US"/>
           </a:p>
@@ -2515,7 +2535,7 @@
       </p:sp>
       <p:sp>
         <p:nvSpPr>
-          <p:cNvPr id="6" name="Footer Placeholder 5"/>
+          <p:cNvPr id="6" name="頁尾版面配置區 5"/>
           <p:cNvSpPr>
             <a:spLocks noGrp="1"/>
           </p:cNvSpPr>
@@ -2534,7 +2554,7 @@
       </p:sp>
       <p:sp>
         <p:nvSpPr>
-          <p:cNvPr id="7" name="Slide Number Placeholder 6"/>
+          <p:cNvPr id="7" name="投影片編號版面配置區 6"/>
           <p:cNvSpPr>
             <a:spLocks noGrp="1"/>
           </p:cNvSpPr>
@@ -2558,7 +2578,7 @@
     </p:spTree>
     <p:extLst>
       <p:ext uri="{BB962C8B-B14F-4D97-AF65-F5344CB8AC3E}">
-        <p14:creationId xmlns:p14="http://schemas.microsoft.com/office/powerpoint/2010/main" val="2227132136"/>
+        <p14:creationId xmlns:p14="http://schemas.microsoft.com/office/powerpoint/2010/main" val="3742969740"/>
       </p:ext>
     </p:extLst>
   </p:cSld>
@@ -2572,9 +2592,14 @@
 <p:sldMaster xmlns:a="http://schemas.openxmlformats.org/drawingml/2006/main" xmlns:r="http://schemas.openxmlformats.org/officeDocument/2006/relationships" xmlns:p="http://schemas.openxmlformats.org/presentationml/2006/main">
   <p:cSld>
     <p:bg>
-      <p:bgRef idx="1001">
-        <a:schemeClr val="bg1"/>
-      </p:bgRef>
+      <p:bgPr>
+        <a:blipFill dpi="0" rotWithShape="1">
+          <a:blip r:embed="rId13"/>
+          <a:srcRect/>
+          <a:tile tx="0" ty="0" sx="100000" sy="100000" flip="none" algn="tl"/>
+        </a:blipFill>
+        <a:effectLst/>
+      </p:bgPr>
     </p:bg>
     <p:spTree>
       <p:nvGrpSpPr>
@@ -2592,7 +2617,7 @@
       </p:grpSpPr>
       <p:sp>
         <p:nvSpPr>
-          <p:cNvPr id="2" name="Title Placeholder 1"/>
+          <p:cNvPr id="2" name="標題版面配置區 1"/>
           <p:cNvSpPr>
             <a:spLocks noGrp="1"/>
           </p:cNvSpPr>
@@ -2602,8 +2627,8 @@
         </p:nvSpPr>
         <p:spPr>
           <a:xfrm>
-            <a:off x="457200" y="274638"/>
-            <a:ext cx="8229600" cy="1143000"/>
+            <a:off x="609600" y="274639"/>
+            <a:ext cx="10972800" cy="1143000"/>
           </a:xfrm>
           <a:prstGeom prst="rect">
             <a:avLst/>
@@ -2616,16 +2641,16 @@
           <a:lstStyle/>
           <a:p>
             <a:r>
-              <a:rPr lang="en-US" smtClean="0"/>
-              <a:t>Click to edit Master title style</a:t>
-            </a:r>
-            <a:endParaRPr lang="en-US"/>
-          </a:p>
-        </p:txBody>
-      </p:sp>
-      <p:sp>
-        <p:nvSpPr>
-          <p:cNvPr id="3" name="Text Placeholder 2"/>
+              <a:rPr lang="zh-TW" altLang="en-US" smtClean="0"/>
+              <a:t>按一下以編輯母片標題樣式</a:t>
+            </a:r>
+            <a:endParaRPr lang="zh-TW" altLang="en-US"/>
+          </a:p>
+        </p:txBody>
+      </p:sp>
+      <p:sp>
+        <p:nvSpPr>
+          <p:cNvPr id="3" name="文字版面配置區 2"/>
           <p:cNvSpPr>
             <a:spLocks noGrp="1"/>
           </p:cNvSpPr>
@@ -2635,8 +2660,8 @@
         </p:nvSpPr>
         <p:spPr>
           <a:xfrm>
-            <a:off x="457200" y="1600200"/>
-            <a:ext cx="8229600" cy="4525963"/>
+            <a:off x="609600" y="1600201"/>
+            <a:ext cx="10972800" cy="4525963"/>
           </a:xfrm>
           <a:prstGeom prst="rect">
             <a:avLst/>
@@ -2650,44 +2675,44 @@
           <a:p>
             <a:pPr lvl="0"/>
             <a:r>
-              <a:rPr lang="en-US" smtClean="0"/>
-              <a:t>Click to edit Master text styles</a:t>
+              <a:rPr lang="zh-TW" altLang="en-US" smtClean="0"/>
+              <a:t>按一下以編輯母片文字樣式</a:t>
             </a:r>
           </a:p>
           <a:p>
             <a:pPr lvl="1"/>
             <a:r>
-              <a:rPr lang="en-US" smtClean="0"/>
-              <a:t>Second level</a:t>
+              <a:rPr lang="zh-TW" altLang="en-US" smtClean="0"/>
+              <a:t>第二層</a:t>
             </a:r>
           </a:p>
           <a:p>
             <a:pPr lvl="2"/>
             <a:r>
-              <a:rPr lang="en-US" smtClean="0"/>
-              <a:t>Third level</a:t>
+              <a:rPr lang="zh-TW" altLang="en-US" smtClean="0"/>
+              <a:t>第三層</a:t>
             </a:r>
           </a:p>
           <a:p>
             <a:pPr lvl="3"/>
             <a:r>
-              <a:rPr lang="en-US" smtClean="0"/>
-              <a:t>Fourth level</a:t>
+              <a:rPr lang="zh-TW" altLang="en-US" smtClean="0"/>
+              <a:t>第四層</a:t>
             </a:r>
           </a:p>
           <a:p>
             <a:pPr lvl="4"/>
             <a:r>
-              <a:rPr lang="en-US" smtClean="0"/>
-              <a:t>Fifth level</a:t>
-            </a:r>
-            <a:endParaRPr lang="en-US"/>
-          </a:p>
-        </p:txBody>
-      </p:sp>
-      <p:sp>
-        <p:nvSpPr>
-          <p:cNvPr id="4" name="Date Placeholder 3"/>
+              <a:rPr lang="zh-TW" altLang="en-US" smtClean="0"/>
+              <a:t>第五層</a:t>
+            </a:r>
+            <a:endParaRPr lang="zh-TW" altLang="en-US"/>
+          </a:p>
+        </p:txBody>
+      </p:sp>
+      <p:sp>
+        <p:nvSpPr>
+          <p:cNvPr id="4" name="日期版面配置區 3"/>
           <p:cNvSpPr>
             <a:spLocks noGrp="1"/>
           </p:cNvSpPr>
@@ -2697,8 +2722,8 @@
         </p:nvSpPr>
         <p:spPr>
           <a:xfrm>
-            <a:off x="457200" y="6356350"/>
-            <a:ext cx="2133600" cy="365125"/>
+            <a:off x="609600" y="6356351"/>
+            <a:ext cx="2844800" cy="365125"/>
           </a:xfrm>
           <a:prstGeom prst="rect">
             <a:avLst/>
@@ -2708,7 +2733,7 @@
           <a:bodyPr vert="horz" lIns="91440" tIns="45720" rIns="91440" bIns="45720" rtlCol="0" anchor="ctr"/>
           <a:lstStyle>
             <a:lvl1pPr algn="l">
-              <a:defRPr sz="1200">
+              <a:defRPr sz="1600">
                 <a:solidFill>
                   <a:schemeClr val="tx1">
                     <a:tint val="75000"/>
@@ -2720,7 +2745,7 @@
           <a:p>
             <a:fld id="{968E7122-F244-4236-92F7-220806544606}" type="datetimeFigureOut">
               <a:rPr lang="en-US" smtClean="0"/>
-              <a:t>4/16/2019</a:t>
+              <a:t>4/7/2020</a:t>
             </a:fld>
             <a:endParaRPr lang="en-US"/>
           </a:p>
@@ -2728,7 +2753,7 @@
       </p:sp>
       <p:sp>
         <p:nvSpPr>
-          <p:cNvPr id="5" name="Footer Placeholder 4"/>
+          <p:cNvPr id="5" name="頁尾版面配置區 4"/>
           <p:cNvSpPr>
             <a:spLocks noGrp="1"/>
           </p:cNvSpPr>
@@ -2738,8 +2763,8 @@
         </p:nvSpPr>
         <p:spPr>
           <a:xfrm>
-            <a:off x="3124200" y="6356350"/>
-            <a:ext cx="2895600" cy="365125"/>
+            <a:off x="4165600" y="6356351"/>
+            <a:ext cx="3860800" cy="365125"/>
           </a:xfrm>
           <a:prstGeom prst="rect">
             <a:avLst/>
@@ -2749,7 +2774,7 @@
           <a:bodyPr vert="horz" lIns="91440" tIns="45720" rIns="91440" bIns="45720" rtlCol="0" anchor="ctr"/>
           <a:lstStyle>
             <a:lvl1pPr algn="ctr">
-              <a:defRPr sz="1200">
+              <a:defRPr sz="1600">
                 <a:solidFill>
                   <a:schemeClr val="tx1">
                     <a:tint val="75000"/>
@@ -2765,7 +2790,7 @@
       </p:sp>
       <p:sp>
         <p:nvSpPr>
-          <p:cNvPr id="6" name="Slide Number Placeholder 5"/>
+          <p:cNvPr id="6" name="投影片編號版面配置區 5"/>
           <p:cNvSpPr>
             <a:spLocks noGrp="1"/>
           </p:cNvSpPr>
@@ -2775,8 +2800,8 @@
         </p:nvSpPr>
         <p:spPr>
           <a:xfrm>
-            <a:off x="6553200" y="6356350"/>
-            <a:ext cx="2133600" cy="365125"/>
+            <a:off x="8737600" y="6356351"/>
+            <a:ext cx="2844800" cy="365125"/>
           </a:xfrm>
           <a:prstGeom prst="rect">
             <a:avLst/>
@@ -2786,7 +2811,7 @@
           <a:bodyPr vert="horz" lIns="91440" tIns="45720" rIns="91440" bIns="45720" rtlCol="0" anchor="ctr"/>
           <a:lstStyle>
             <a:lvl1pPr algn="r">
-              <a:defRPr sz="1200">
+              <a:defRPr sz="1600">
                 <a:solidFill>
                   <a:schemeClr val="tx1">
                     <a:tint val="75000"/>
@@ -2807,32 +2832,32 @@
     </p:spTree>
     <p:extLst>
       <p:ext uri="{BB962C8B-B14F-4D97-AF65-F5344CB8AC3E}">
-        <p14:creationId xmlns:p14="http://schemas.microsoft.com/office/powerpoint/2010/main" val="669379238"/>
+        <p14:creationId xmlns:p14="http://schemas.microsoft.com/office/powerpoint/2010/main" val="3148127560"/>
       </p:ext>
     </p:extLst>
   </p:cSld>
   <p:clrMap bg1="lt1" tx1="dk1" bg2="lt2" tx2="dk2" accent1="accent1" accent2="accent2" accent3="accent3" accent4="accent4" accent5="accent5" accent6="accent6" hlink="hlink" folHlink="folHlink"/>
   <p:sldLayoutIdLst>
-    <p:sldLayoutId id="2147483649" r:id="rId1"/>
-    <p:sldLayoutId id="2147483650" r:id="rId2"/>
-    <p:sldLayoutId id="2147483651" r:id="rId3"/>
-    <p:sldLayoutId id="2147483652" r:id="rId4"/>
-    <p:sldLayoutId id="2147483653" r:id="rId5"/>
-    <p:sldLayoutId id="2147483654" r:id="rId6"/>
-    <p:sldLayoutId id="2147483655" r:id="rId7"/>
-    <p:sldLayoutId id="2147483656" r:id="rId8"/>
-    <p:sldLayoutId id="2147483657" r:id="rId9"/>
-    <p:sldLayoutId id="2147483658" r:id="rId10"/>
-    <p:sldLayoutId id="2147483659" r:id="rId11"/>
+    <p:sldLayoutId id="2147483661" r:id="rId1"/>
+    <p:sldLayoutId id="2147483662" r:id="rId2"/>
+    <p:sldLayoutId id="2147483663" r:id="rId3"/>
+    <p:sldLayoutId id="2147483664" r:id="rId4"/>
+    <p:sldLayoutId id="2147483665" r:id="rId5"/>
+    <p:sldLayoutId id="2147483666" r:id="rId6"/>
+    <p:sldLayoutId id="2147483667" r:id="rId7"/>
+    <p:sldLayoutId id="2147483668" r:id="rId8"/>
+    <p:sldLayoutId id="2147483669" r:id="rId9"/>
+    <p:sldLayoutId id="2147483670" r:id="rId10"/>
+    <p:sldLayoutId id="2147483671" r:id="rId11"/>
   </p:sldLayoutIdLst>
   <p:txStyles>
     <p:titleStyle>
-      <a:lvl1pPr algn="ctr" defTabSz="914400" rtl="0" eaLnBrk="1" latinLnBrk="0" hangingPunct="1">
+      <a:lvl1pPr algn="ctr" defTabSz="1219170" rtl="0" eaLnBrk="1" latinLnBrk="0" hangingPunct="1">
         <a:spcBef>
           <a:spcPct val="0"/>
         </a:spcBef>
         <a:buNone/>
-        <a:defRPr sz="4400" kern="1200">
+        <a:defRPr sz="5867" kern="1200">
           <a:solidFill>
             <a:schemeClr val="tx1"/>
           </a:solidFill>
@@ -2843,7 +2868,37 @@
       </a:lvl1pPr>
     </p:titleStyle>
     <p:bodyStyle>
-      <a:lvl1pPr marL="342900" indent="-342900" algn="l" defTabSz="914400" rtl="0" eaLnBrk="1" latinLnBrk="0" hangingPunct="1">
+      <a:lvl1pPr marL="457189" indent="-457189" algn="l" defTabSz="1219170" rtl="0" eaLnBrk="1" latinLnBrk="0" hangingPunct="1">
+        <a:spcBef>
+          <a:spcPct val="20000"/>
+        </a:spcBef>
+        <a:buFont typeface="Arial" pitchFamily="34" charset="0"/>
+        <a:buChar char="•"/>
+        <a:defRPr sz="4267" kern="1200">
+          <a:solidFill>
+            <a:schemeClr val="tx1"/>
+          </a:solidFill>
+          <a:latin typeface="+mn-lt"/>
+          <a:ea typeface="+mn-ea"/>
+          <a:cs typeface="+mn-cs"/>
+        </a:defRPr>
+      </a:lvl1pPr>
+      <a:lvl2pPr marL="990575" indent="-380990" algn="l" defTabSz="1219170" rtl="0" eaLnBrk="1" latinLnBrk="0" hangingPunct="1">
+        <a:spcBef>
+          <a:spcPct val="20000"/>
+        </a:spcBef>
+        <a:buFont typeface="Arial" pitchFamily="34" charset="0"/>
+        <a:buChar char="–"/>
+        <a:defRPr sz="3733" kern="1200">
+          <a:solidFill>
+            <a:schemeClr val="tx1"/>
+          </a:solidFill>
+          <a:latin typeface="+mn-lt"/>
+          <a:ea typeface="+mn-ea"/>
+          <a:cs typeface="+mn-cs"/>
+        </a:defRPr>
+      </a:lvl2pPr>
+      <a:lvl3pPr marL="1523962" indent="-304792" algn="l" defTabSz="1219170" rtl="0" eaLnBrk="1" latinLnBrk="0" hangingPunct="1">
         <a:spcBef>
           <a:spcPct val="20000"/>
         </a:spcBef>
@@ -2857,44 +2912,14 @@
           <a:ea typeface="+mn-ea"/>
           <a:cs typeface="+mn-cs"/>
         </a:defRPr>
-      </a:lvl1pPr>
-      <a:lvl2pPr marL="742950" indent="-285750" algn="l" defTabSz="914400" rtl="0" eaLnBrk="1" latinLnBrk="0" hangingPunct="1">
+      </a:lvl3pPr>
+      <a:lvl4pPr marL="2133547" indent="-304792" algn="l" defTabSz="1219170" rtl="0" eaLnBrk="1" latinLnBrk="0" hangingPunct="1">
         <a:spcBef>
           <a:spcPct val="20000"/>
         </a:spcBef>
         <a:buFont typeface="Arial" pitchFamily="34" charset="0"/>
         <a:buChar char="–"/>
-        <a:defRPr sz="2800" kern="1200">
-          <a:solidFill>
-            <a:schemeClr val="tx1"/>
-          </a:solidFill>
-          <a:latin typeface="+mn-lt"/>
-          <a:ea typeface="+mn-ea"/>
-          <a:cs typeface="+mn-cs"/>
-        </a:defRPr>
-      </a:lvl2pPr>
-      <a:lvl3pPr marL="1143000" indent="-228600" algn="l" defTabSz="914400" rtl="0" eaLnBrk="1" latinLnBrk="0" hangingPunct="1">
-        <a:spcBef>
-          <a:spcPct val="20000"/>
-        </a:spcBef>
-        <a:buFont typeface="Arial" pitchFamily="34" charset="0"/>
-        <a:buChar char="•"/>
-        <a:defRPr sz="2400" kern="1200">
-          <a:solidFill>
-            <a:schemeClr val="tx1"/>
-          </a:solidFill>
-          <a:latin typeface="+mn-lt"/>
-          <a:ea typeface="+mn-ea"/>
-          <a:cs typeface="+mn-cs"/>
-        </a:defRPr>
-      </a:lvl3pPr>
-      <a:lvl4pPr marL="1600200" indent="-228600" algn="l" defTabSz="914400" rtl="0" eaLnBrk="1" latinLnBrk="0" hangingPunct="1">
-        <a:spcBef>
-          <a:spcPct val="20000"/>
-        </a:spcBef>
-        <a:buFont typeface="Arial" pitchFamily="34" charset="0"/>
-        <a:buChar char="–"/>
-        <a:defRPr sz="2000" kern="1200">
+        <a:defRPr sz="2667" kern="1200">
           <a:solidFill>
             <a:schemeClr val="tx1"/>
           </a:solidFill>
@@ -2903,13 +2928,13 @@
           <a:cs typeface="+mn-cs"/>
         </a:defRPr>
       </a:lvl4pPr>
-      <a:lvl5pPr marL="2057400" indent="-228600" algn="l" defTabSz="914400" rtl="0" eaLnBrk="1" latinLnBrk="0" hangingPunct="1">
+      <a:lvl5pPr marL="2743131" indent="-304792" algn="l" defTabSz="1219170" rtl="0" eaLnBrk="1" latinLnBrk="0" hangingPunct="1">
         <a:spcBef>
           <a:spcPct val="20000"/>
         </a:spcBef>
         <a:buFont typeface="Arial" pitchFamily="34" charset="0"/>
         <a:buChar char="»"/>
-        <a:defRPr sz="2000" kern="1200">
+        <a:defRPr sz="2667" kern="1200">
           <a:solidFill>
             <a:schemeClr val="tx1"/>
           </a:solidFill>
@@ -2918,13 +2943,13 @@
           <a:cs typeface="+mn-cs"/>
         </a:defRPr>
       </a:lvl5pPr>
-      <a:lvl6pPr marL="2514600" indent="-228600" algn="l" defTabSz="914400" rtl="0" eaLnBrk="1" latinLnBrk="0" hangingPunct="1">
+      <a:lvl6pPr marL="3352716" indent="-304792" algn="l" defTabSz="1219170" rtl="0" eaLnBrk="1" latinLnBrk="0" hangingPunct="1">
         <a:spcBef>
           <a:spcPct val="20000"/>
         </a:spcBef>
         <a:buFont typeface="Arial" pitchFamily="34" charset="0"/>
         <a:buChar char="•"/>
-        <a:defRPr sz="2000" kern="1200">
+        <a:defRPr sz="2667" kern="1200">
           <a:solidFill>
             <a:schemeClr val="tx1"/>
           </a:solidFill>
@@ -2933,13 +2958,13 @@
           <a:cs typeface="+mn-cs"/>
         </a:defRPr>
       </a:lvl6pPr>
-      <a:lvl7pPr marL="2971800" indent="-228600" algn="l" defTabSz="914400" rtl="0" eaLnBrk="1" latinLnBrk="0" hangingPunct="1">
+      <a:lvl7pPr marL="3962301" indent="-304792" algn="l" defTabSz="1219170" rtl="0" eaLnBrk="1" latinLnBrk="0" hangingPunct="1">
         <a:spcBef>
           <a:spcPct val="20000"/>
         </a:spcBef>
         <a:buFont typeface="Arial" pitchFamily="34" charset="0"/>
         <a:buChar char="•"/>
-        <a:defRPr sz="2000" kern="1200">
+        <a:defRPr sz="2667" kern="1200">
           <a:solidFill>
             <a:schemeClr val="tx1"/>
           </a:solidFill>
@@ -2948,13 +2973,13 @@
           <a:cs typeface="+mn-cs"/>
         </a:defRPr>
       </a:lvl7pPr>
-      <a:lvl8pPr marL="3429000" indent="-228600" algn="l" defTabSz="914400" rtl="0" eaLnBrk="1" latinLnBrk="0" hangingPunct="1">
+      <a:lvl8pPr marL="4571886" indent="-304792" algn="l" defTabSz="1219170" rtl="0" eaLnBrk="1" latinLnBrk="0" hangingPunct="1">
         <a:spcBef>
           <a:spcPct val="20000"/>
         </a:spcBef>
         <a:buFont typeface="Arial" pitchFamily="34" charset="0"/>
         <a:buChar char="•"/>
-        <a:defRPr sz="2000" kern="1200">
+        <a:defRPr sz="2667" kern="1200">
           <a:solidFill>
             <a:schemeClr val="tx1"/>
           </a:solidFill>
@@ -2963,13 +2988,13 @@
           <a:cs typeface="+mn-cs"/>
         </a:defRPr>
       </a:lvl8pPr>
-      <a:lvl9pPr marL="3886200" indent="-228600" algn="l" defTabSz="914400" rtl="0" eaLnBrk="1" latinLnBrk="0" hangingPunct="1">
+      <a:lvl9pPr marL="5181470" indent="-304792" algn="l" defTabSz="1219170" rtl="0" eaLnBrk="1" latinLnBrk="0" hangingPunct="1">
         <a:spcBef>
           <a:spcPct val="20000"/>
         </a:spcBef>
         <a:buFont typeface="Arial" pitchFamily="34" charset="0"/>
         <a:buChar char="•"/>
-        <a:defRPr sz="2000" kern="1200">
+        <a:defRPr sz="2667" kern="1200">
           <a:solidFill>
             <a:schemeClr val="tx1"/>
           </a:solidFill>
@@ -2981,10 +3006,10 @@
     </p:bodyStyle>
     <p:otherStyle>
       <a:defPPr>
-        <a:defRPr lang="en-US"/>
+        <a:defRPr lang="zh-TW"/>
       </a:defPPr>
-      <a:lvl1pPr marL="0" algn="l" defTabSz="914400" rtl="0" eaLnBrk="1" latinLnBrk="0" hangingPunct="1">
-        <a:defRPr sz="1800" kern="1200">
+      <a:lvl1pPr marL="0" algn="l" defTabSz="1219170" rtl="0" eaLnBrk="1" latinLnBrk="0" hangingPunct="1">
+        <a:defRPr sz="2400" kern="1200">
           <a:solidFill>
             <a:schemeClr val="tx1"/>
           </a:solidFill>
@@ -2993,8 +3018,8 @@
           <a:cs typeface="+mn-cs"/>
         </a:defRPr>
       </a:lvl1pPr>
-      <a:lvl2pPr marL="457200" algn="l" defTabSz="914400" rtl="0" eaLnBrk="1" latinLnBrk="0" hangingPunct="1">
-        <a:defRPr sz="1800" kern="1200">
+      <a:lvl2pPr marL="609585" algn="l" defTabSz="1219170" rtl="0" eaLnBrk="1" latinLnBrk="0" hangingPunct="1">
+        <a:defRPr sz="2400" kern="1200">
           <a:solidFill>
             <a:schemeClr val="tx1"/>
           </a:solidFill>
@@ -3003,8 +3028,8 @@
           <a:cs typeface="+mn-cs"/>
         </a:defRPr>
       </a:lvl2pPr>
-      <a:lvl3pPr marL="914400" algn="l" defTabSz="914400" rtl="0" eaLnBrk="1" latinLnBrk="0" hangingPunct="1">
-        <a:defRPr sz="1800" kern="1200">
+      <a:lvl3pPr marL="1219170" algn="l" defTabSz="1219170" rtl="0" eaLnBrk="1" latinLnBrk="0" hangingPunct="1">
+        <a:defRPr sz="2400" kern="1200">
           <a:solidFill>
             <a:schemeClr val="tx1"/>
           </a:solidFill>
@@ -3013,8 +3038,8 @@
           <a:cs typeface="+mn-cs"/>
         </a:defRPr>
       </a:lvl3pPr>
-      <a:lvl4pPr marL="1371600" algn="l" defTabSz="914400" rtl="0" eaLnBrk="1" latinLnBrk="0" hangingPunct="1">
-        <a:defRPr sz="1800" kern="1200">
+      <a:lvl4pPr marL="1828754" algn="l" defTabSz="1219170" rtl="0" eaLnBrk="1" latinLnBrk="0" hangingPunct="1">
+        <a:defRPr sz="2400" kern="1200">
           <a:solidFill>
             <a:schemeClr val="tx1"/>
           </a:solidFill>
@@ -3023,8 +3048,8 @@
           <a:cs typeface="+mn-cs"/>
         </a:defRPr>
       </a:lvl4pPr>
-      <a:lvl5pPr marL="1828800" algn="l" defTabSz="914400" rtl="0" eaLnBrk="1" latinLnBrk="0" hangingPunct="1">
-        <a:defRPr sz="1800" kern="1200">
+      <a:lvl5pPr marL="2438339" algn="l" defTabSz="1219170" rtl="0" eaLnBrk="1" latinLnBrk="0" hangingPunct="1">
+        <a:defRPr sz="2400" kern="1200">
           <a:solidFill>
             <a:schemeClr val="tx1"/>
           </a:solidFill>
@@ -3033,8 +3058,8 @@
           <a:cs typeface="+mn-cs"/>
         </a:defRPr>
       </a:lvl5pPr>
-      <a:lvl6pPr marL="2286000" algn="l" defTabSz="914400" rtl="0" eaLnBrk="1" latinLnBrk="0" hangingPunct="1">
-        <a:defRPr sz="1800" kern="1200">
+      <a:lvl6pPr marL="3047924" algn="l" defTabSz="1219170" rtl="0" eaLnBrk="1" latinLnBrk="0" hangingPunct="1">
+        <a:defRPr sz="2400" kern="1200">
           <a:solidFill>
             <a:schemeClr val="tx1"/>
           </a:solidFill>
@@ -3043,8 +3068,8 @@
           <a:cs typeface="+mn-cs"/>
         </a:defRPr>
       </a:lvl6pPr>
-      <a:lvl7pPr marL="2743200" algn="l" defTabSz="914400" rtl="0" eaLnBrk="1" latinLnBrk="0" hangingPunct="1">
-        <a:defRPr sz="1800" kern="1200">
+      <a:lvl7pPr marL="3657509" algn="l" defTabSz="1219170" rtl="0" eaLnBrk="1" latinLnBrk="0" hangingPunct="1">
+        <a:defRPr sz="2400" kern="1200">
           <a:solidFill>
             <a:schemeClr val="tx1"/>
           </a:solidFill>
@@ -3053,8 +3078,8 @@
           <a:cs typeface="+mn-cs"/>
         </a:defRPr>
       </a:lvl7pPr>
-      <a:lvl8pPr marL="3200400" algn="l" defTabSz="914400" rtl="0" eaLnBrk="1" latinLnBrk="0" hangingPunct="1">
-        <a:defRPr sz="1800" kern="1200">
+      <a:lvl8pPr marL="4267093" algn="l" defTabSz="1219170" rtl="0" eaLnBrk="1" latinLnBrk="0" hangingPunct="1">
+        <a:defRPr sz="2400" kern="1200">
           <a:solidFill>
             <a:schemeClr val="tx1"/>
           </a:solidFill>
@@ -3063,8 +3088,8 @@
           <a:cs typeface="+mn-cs"/>
         </a:defRPr>
       </a:lvl8pPr>
-      <a:lvl9pPr marL="3657600" algn="l" defTabSz="914400" rtl="0" eaLnBrk="1" latinLnBrk="0" hangingPunct="1">
-        <a:defRPr sz="1800" kern="1200">
+      <a:lvl9pPr marL="4876678" algn="l" defTabSz="1219170" rtl="0" eaLnBrk="1" latinLnBrk="0" hangingPunct="1">
+        <a:defRPr sz="2400" kern="1200">
           <a:solidFill>
             <a:schemeClr val="tx1"/>
           </a:solidFill>
@@ -3107,17 +3132,19 @@
         </p:nvSpPr>
         <p:spPr/>
         <p:txBody>
-          <a:bodyPr/>
-          <a:lstStyle/>
-          <a:p>
-            <a:r>
-              <a:rPr lang="zh-CN" altLang="en-US" b="1" dirty="0" smtClean="0">
+          <a:bodyPr>
+            <a:normAutofit/>
+          </a:bodyPr>
+          <a:lstStyle/>
+          <a:p>
+            <a:r>
+              <a:rPr lang="zh-CN" altLang="en-US" sz="4800" b="1" dirty="0" smtClean="0">
                 <a:latin typeface="Microsoft JhengHei" pitchFamily="34" charset="-120"/>
                 <a:ea typeface="Microsoft JhengHei" pitchFamily="34" charset="-120"/>
               </a:rPr>
               <a:t>受苦的主</a:t>
             </a:r>
-            <a:endParaRPr lang="en-US" b="1" dirty="0">
+            <a:endParaRPr lang="en-US" sz="4800" b="1" dirty="0">
               <a:latin typeface="Microsoft JhengHei" pitchFamily="34" charset="-120"/>
               <a:ea typeface="Microsoft JhengHei" pitchFamily="34" charset="-120"/>
             </a:endParaRPr>
@@ -3145,7 +3172,7 @@
               <a:buNone/>
             </a:pPr>
             <a:r>
-              <a:rPr lang="zh-TW" altLang="en-US" sz="5400" b="1" dirty="0" smtClean="0">
+              <a:rPr lang="zh-TW" altLang="en-US" sz="5400" b="1" dirty="0">
                 <a:latin typeface="Microsoft JhengHei" pitchFamily="34" charset="-120"/>
                 <a:ea typeface="Microsoft JhengHei" pitchFamily="34" charset="-120"/>
               </a:rPr>
@@ -3159,7 +3186,7 @@
               <a:t>苦的</a:t>
             </a:r>
             <a:r>
-              <a:rPr lang="zh-TW" altLang="en-US" sz="5400" b="1" dirty="0" smtClean="0">
+              <a:rPr lang="zh-TW" altLang="en-US" sz="5400" b="1" dirty="0">
                 <a:latin typeface="Microsoft JhengHei" pitchFamily="34" charset="-120"/>
                 <a:ea typeface="Microsoft JhengHei" pitchFamily="34" charset="-120"/>
               </a:rPr>
@@ -3173,13 +3200,13 @@
               <a:t>我能體</a:t>
             </a:r>
             <a:r>
-              <a:rPr lang="zh-TW" altLang="en-US" sz="5400" b="1" dirty="0" smtClean="0">
+              <a:rPr lang="zh-TW" altLang="en-US" sz="5400" b="1" dirty="0">
                 <a:latin typeface="Microsoft JhengHei" pitchFamily="34" charset="-120"/>
                 <a:ea typeface="Microsoft JhengHei" pitchFamily="34" charset="-120"/>
               </a:rPr>
               <a:t>主愛</a:t>
             </a:r>
-            <a:endParaRPr lang="en-US" altLang="zh-TW" sz="5400" b="1" dirty="0" smtClean="0">
+            <a:endParaRPr lang="en-US" altLang="zh-TW" sz="5400" b="1" dirty="0">
               <a:latin typeface="Microsoft JhengHei" pitchFamily="34" charset="-120"/>
               <a:ea typeface="Microsoft JhengHei" pitchFamily="34" charset="-120"/>
             </a:endParaRPr>
@@ -3189,7 +3216,7 @@
               <a:buNone/>
             </a:pPr>
             <a:r>
-              <a:rPr lang="zh-TW" altLang="en-US" sz="5400" b="1" dirty="0" smtClean="0">
+              <a:rPr lang="zh-TW" altLang="en-US" sz="5400" b="1" dirty="0">
                 <a:latin typeface="Microsoft JhengHei" pitchFamily="34" charset="-120"/>
                 <a:ea typeface="Microsoft JhengHei" pitchFamily="34" charset="-120"/>
               </a:rPr>
@@ -3203,7 +3230,7 @@
               <a:t>我愛憐四面迷亡之</a:t>
             </a:r>
             <a:r>
-              <a:rPr lang="zh-TW" altLang="en-US" sz="5400" b="1" dirty="0" smtClean="0">
+              <a:rPr lang="zh-TW" altLang="en-US" sz="5400" b="1" dirty="0">
                 <a:latin typeface="Microsoft JhengHei" pitchFamily="34" charset="-120"/>
                 <a:ea typeface="Microsoft JhengHei" pitchFamily="34" charset="-120"/>
               </a:rPr>
@@ -3219,7 +3246,7 @@
               <a:buNone/>
             </a:pPr>
             <a:r>
-              <a:rPr lang="zh-TW" altLang="en-US" sz="5400" b="1" dirty="0" smtClean="0">
+              <a:rPr lang="zh-TW" altLang="en-US" sz="5400" b="1" dirty="0">
                 <a:latin typeface="Microsoft JhengHei" pitchFamily="34" charset="-120"/>
                 <a:ea typeface="Microsoft JhengHei" pitchFamily="34" charset="-120"/>
               </a:rPr>
@@ -3233,13 +3260,13 @@
               <a:t>主使我此時覺主同</a:t>
             </a:r>
             <a:r>
-              <a:rPr lang="zh-TW" altLang="en-US" sz="5400" b="1" dirty="0" smtClean="0">
+              <a:rPr lang="zh-TW" altLang="en-US" sz="5400" b="1" dirty="0">
                 <a:latin typeface="Microsoft JhengHei" pitchFamily="34" charset="-120"/>
                 <a:ea typeface="Microsoft JhengHei" pitchFamily="34" charset="-120"/>
               </a:rPr>
               <a:t>在</a:t>
             </a:r>
-            <a:endParaRPr lang="en-US" altLang="zh-TW" sz="5400" b="1" dirty="0" smtClean="0">
+            <a:endParaRPr lang="en-US" altLang="zh-TW" sz="5400" b="1" dirty="0">
               <a:latin typeface="Microsoft JhengHei" pitchFamily="34" charset="-120"/>
               <a:ea typeface="Microsoft JhengHei" pitchFamily="34" charset="-120"/>
             </a:endParaRPr>
@@ -3249,7 +3276,7 @@
               <a:buNone/>
             </a:pPr>
             <a:r>
-              <a:rPr lang="zh-TW" altLang="en-US" sz="5400" b="1" dirty="0" smtClean="0">
+              <a:rPr lang="zh-TW" altLang="en-US" sz="5400" b="1" dirty="0">
                 <a:latin typeface="Microsoft JhengHei" pitchFamily="34" charset="-120"/>
                 <a:ea typeface="Microsoft JhengHei" pitchFamily="34" charset="-120"/>
               </a:rPr>
@@ -3263,7 +3290,7 @@
               <a:t>我愛</a:t>
             </a:r>
             <a:r>
-              <a:rPr lang="zh-TW" altLang="en-US" sz="5400" b="1" dirty="0" smtClean="0">
+              <a:rPr lang="zh-TW" altLang="en-US" sz="5400" b="1" dirty="0">
                 <a:latin typeface="Microsoft JhengHei" pitchFamily="34" charset="-120"/>
                 <a:ea typeface="Microsoft JhengHei" pitchFamily="34" charset="-120"/>
               </a:rPr>
@@ -3277,7 +3304,7 @@
               <a:t>架愛</a:t>
             </a:r>
             <a:r>
-              <a:rPr lang="zh-TW" altLang="en-US" sz="5400" b="1" dirty="0" smtClean="0">
+              <a:rPr lang="zh-TW" altLang="en-US" sz="5400" b="1" dirty="0">
                 <a:latin typeface="Microsoft JhengHei" pitchFamily="34" charset="-120"/>
                 <a:ea typeface="Microsoft JhengHei" pitchFamily="34" charset="-120"/>
               </a:rPr>
@@ -3293,7 +3320,7 @@
               <a:buNone/>
             </a:pPr>
             <a:r>
-              <a:rPr lang="zh-TW" altLang="en-US" sz="5400" b="1" dirty="0" smtClean="0">
+              <a:rPr lang="zh-TW" altLang="en-US" sz="5400" b="1" dirty="0">
                 <a:latin typeface="Microsoft JhengHei" pitchFamily="34" charset="-120"/>
                 <a:ea typeface="Microsoft JhengHei" pitchFamily="34" charset="-120"/>
               </a:rPr>
@@ -3304,10 +3331,24 @@
                 <a:latin typeface="Microsoft JhengHei" pitchFamily="34" charset="-120"/>
                 <a:ea typeface="Microsoft JhengHei" pitchFamily="34" charset="-120"/>
               </a:rPr>
-              <a:t>迷路羊歸</a:t>
-            </a:r>
-            <a:r>
-              <a:rPr lang="zh-TW" altLang="en-US" sz="5400" b="1" dirty="0" smtClean="0">
+              <a:t>迷路</a:t>
+            </a:r>
+            <a:r>
+              <a:rPr lang="zh-TW" altLang="en-US" sz="5400" b="1" dirty="0">
+                <a:latin typeface="Microsoft JhengHei" pitchFamily="34" charset="-120"/>
+                <a:ea typeface="Microsoft JhengHei" pitchFamily="34" charset="-120"/>
+              </a:rPr>
+              <a:t>羊</a:t>
+            </a:r>
+            <a:r>
+              <a:rPr lang="zh-CN" altLang="en-US" sz="5400" b="1" dirty="0">
+                <a:latin typeface="Microsoft JhengHei" pitchFamily="34" charset="-120"/>
+                <a:ea typeface="Microsoft JhengHei" pitchFamily="34" charset="-120"/>
+              </a:rPr>
+              <a:t>回</a:t>
+            </a:r>
+            <a:r>
+              <a:rPr lang="zh-TW" altLang="en-US" sz="5400" b="1" dirty="0">
                 <a:latin typeface="Microsoft JhengHei" pitchFamily="34" charset="-120"/>
                 <a:ea typeface="Microsoft JhengHei" pitchFamily="34" charset="-120"/>
               </a:rPr>
@@ -3334,7 +3375,7 @@
 </file>
 
 <file path=ppt/theme/theme1.xml><?xml version="1.0" encoding="utf-8"?>
-<a:theme xmlns:a="http://schemas.openxmlformats.org/drawingml/2006/main" name="Office Theme">
+<a:theme xmlns:a="http://schemas.openxmlformats.org/drawingml/2006/main" name="Theme1">
   <a:themeElements>
     <a:clrScheme name="Office">
       <a:dk1>
@@ -3408,7 +3449,6 @@
         <a:font script="Mong" typeface="Mongolian Baiti"/>
         <a:font script="Viet" typeface="Times New Roman"/>
         <a:font script="Uigh" typeface="Microsoft Uighur"/>
-        <a:font script="Geor" typeface="Sylfaen"/>
       </a:majorFont>
       <a:minorFont>
         <a:latin typeface="Calibri"/>
@@ -3443,7 +3483,6 @@
         <a:font script="Mong" typeface="Mongolian Baiti"/>
         <a:font script="Viet" typeface="Arial"/>
         <a:font script="Uigh" typeface="Microsoft Uighur"/>
-        <a:font script="Geor" typeface="Sylfaen"/>
       </a:minorFont>
     </a:fontScheme>
     <a:fmtScheme name="Office">
@@ -3615,5 +3654,10 @@
   </a:themeElements>
   <a:objectDefaults/>
   <a:extraClrSchemeLst/>
+  <a:extLst>
+    <a:ext uri="{05A4C25C-085E-4340-85A3-A5531E510DB2}">
+      <thm15:themeFamily xmlns:thm15="http://schemas.microsoft.com/office/thememl/2012/main" name="Theme1" id="{AFC7C034-021A-479F-A5B0-F4AE2AC2A6F8}" vid="{E4B01A5C-7C0B-4AB8-8973-047186F18E30}"/>
+    </a:ext>
+  </a:extLst>
 </a:theme>
 </file>